--- a/JavaScript ＆ TweenMax 動態特效速成實戰.pptx
+++ b/JavaScript ＆ TweenMax 動態特效速成實戰.pptx
@@ -282,7 +282,7 @@
           <a:p>
             <a:fld id="{C3021F6F-6F99-4319-AE6F-AE3C5A992A21}" type="datetimeFigureOut">
               <a:rPr lang="zh-TW" altLang="en-US" smtClean="0"/>
-              <a:t>2018/7/7</a:t>
+              <a:t>2018/7/22</a:t>
             </a:fld>
             <a:endParaRPr lang="zh-TW" altLang="en-US"/>
           </a:p>
@@ -452,7 +452,7 @@
           <a:p>
             <a:fld id="{C3021F6F-6F99-4319-AE6F-AE3C5A992A21}" type="datetimeFigureOut">
               <a:rPr lang="zh-TW" altLang="en-US" smtClean="0"/>
-              <a:t>2018/7/7</a:t>
+              <a:t>2018/7/22</a:t>
             </a:fld>
             <a:endParaRPr lang="zh-TW" altLang="en-US"/>
           </a:p>
@@ -632,7 +632,7 @@
           <a:p>
             <a:fld id="{C3021F6F-6F99-4319-AE6F-AE3C5A992A21}" type="datetimeFigureOut">
               <a:rPr lang="zh-TW" altLang="en-US" smtClean="0"/>
-              <a:t>2018/7/7</a:t>
+              <a:t>2018/7/22</a:t>
             </a:fld>
             <a:endParaRPr lang="zh-TW" altLang="en-US"/>
           </a:p>
@@ -802,7 +802,7 @@
           <a:p>
             <a:fld id="{C3021F6F-6F99-4319-AE6F-AE3C5A992A21}" type="datetimeFigureOut">
               <a:rPr lang="zh-TW" altLang="en-US" smtClean="0"/>
-              <a:t>2018/7/7</a:t>
+              <a:t>2018/7/22</a:t>
             </a:fld>
             <a:endParaRPr lang="zh-TW" altLang="en-US"/>
           </a:p>
@@ -1048,7 +1048,7 @@
           <a:p>
             <a:fld id="{C3021F6F-6F99-4319-AE6F-AE3C5A992A21}" type="datetimeFigureOut">
               <a:rPr lang="zh-TW" altLang="en-US" smtClean="0"/>
-              <a:t>2018/7/7</a:t>
+              <a:t>2018/7/22</a:t>
             </a:fld>
             <a:endParaRPr lang="zh-TW" altLang="en-US"/>
           </a:p>
@@ -1280,7 +1280,7 @@
           <a:p>
             <a:fld id="{C3021F6F-6F99-4319-AE6F-AE3C5A992A21}" type="datetimeFigureOut">
               <a:rPr lang="zh-TW" altLang="en-US" smtClean="0"/>
-              <a:t>2018/7/7</a:t>
+              <a:t>2018/7/22</a:t>
             </a:fld>
             <a:endParaRPr lang="zh-TW" altLang="en-US"/>
           </a:p>
@@ -1647,7 +1647,7 @@
           <a:p>
             <a:fld id="{C3021F6F-6F99-4319-AE6F-AE3C5A992A21}" type="datetimeFigureOut">
               <a:rPr lang="zh-TW" altLang="en-US" smtClean="0"/>
-              <a:t>2018/7/7</a:t>
+              <a:t>2018/7/22</a:t>
             </a:fld>
             <a:endParaRPr lang="zh-TW" altLang="en-US"/>
           </a:p>
@@ -1765,7 +1765,7 @@
           <a:p>
             <a:fld id="{C3021F6F-6F99-4319-AE6F-AE3C5A992A21}" type="datetimeFigureOut">
               <a:rPr lang="zh-TW" altLang="en-US" smtClean="0"/>
-              <a:t>2018/7/7</a:t>
+              <a:t>2018/7/22</a:t>
             </a:fld>
             <a:endParaRPr lang="zh-TW" altLang="en-US"/>
           </a:p>
@@ -1860,7 +1860,7 @@
           <a:p>
             <a:fld id="{C3021F6F-6F99-4319-AE6F-AE3C5A992A21}" type="datetimeFigureOut">
               <a:rPr lang="zh-TW" altLang="en-US" smtClean="0"/>
-              <a:t>2018/7/7</a:t>
+              <a:t>2018/7/22</a:t>
             </a:fld>
             <a:endParaRPr lang="zh-TW" altLang="en-US"/>
           </a:p>
@@ -2137,7 +2137,7 @@
           <a:p>
             <a:fld id="{C3021F6F-6F99-4319-AE6F-AE3C5A992A21}" type="datetimeFigureOut">
               <a:rPr lang="zh-TW" altLang="en-US" smtClean="0"/>
-              <a:t>2018/7/7</a:t>
+              <a:t>2018/7/22</a:t>
             </a:fld>
             <a:endParaRPr lang="zh-TW" altLang="en-US"/>
           </a:p>
@@ -2390,7 +2390,7 @@
           <a:p>
             <a:fld id="{C3021F6F-6F99-4319-AE6F-AE3C5A992A21}" type="datetimeFigureOut">
               <a:rPr lang="zh-TW" altLang="en-US" smtClean="0"/>
-              <a:t>2018/7/7</a:t>
+              <a:t>2018/7/22</a:t>
             </a:fld>
             <a:endParaRPr lang="zh-TW" altLang="en-US"/>
           </a:p>
@@ -2606,7 +2606,7 @@
           <a:p>
             <a:fld id="{C3021F6F-6F99-4319-AE6F-AE3C5A992A21}" type="datetimeFigureOut">
               <a:rPr lang="zh-TW" altLang="en-US" smtClean="0"/>
-              <a:t>2018/7/7</a:t>
+              <a:t>2018/7/22</a:t>
             </a:fld>
             <a:endParaRPr lang="zh-TW" altLang="en-US"/>
           </a:p>
@@ -17418,7 +17418,7 @@
           <a:p>
             <a:pPr lvl="1"/>
             <a:r>
-              <a:rPr lang="en-US" altLang="zh-TW" sz="1200" dirty="0">
+              <a:rPr lang="en-US" altLang="zh-TW" sz="1200" dirty="0" err="1" smtClean="0">
                 <a:solidFill>
                   <a:srgbClr val="F8F8F2"/>
                 </a:solidFill>
@@ -17427,16 +17427,16 @@
               <a:t>TweenMax.</a:t>
             </a:r>
             <a:r>
-              <a:rPr lang="en-US" altLang="zh-TW" sz="1200" dirty="0">
+              <a:rPr lang="en-US" altLang="zh-TW" sz="1200" dirty="0" err="1" smtClean="0">
                 <a:solidFill>
                   <a:srgbClr val="A6E22E"/>
                 </a:solidFill>
                 <a:latin typeface="Consolas" panose="020B0609020204030204" pitchFamily="49" charset="0"/>
               </a:rPr>
-              <a:t>to</a:t>
-            </a:r>
-            <a:r>
-              <a:rPr lang="en-US" altLang="zh-TW" sz="1200" dirty="0">
+              <a:t>set</a:t>
+            </a:r>
+            <a:r>
+              <a:rPr lang="en-US" altLang="zh-TW" sz="1200" dirty="0" smtClean="0">
                 <a:solidFill>
                   <a:srgbClr val="F8F8F2"/>
                 </a:solidFill>
@@ -17447,20 +17447,41 @@
             <a:r>
               <a:rPr lang="en-US" altLang="zh-TW" sz="1200" dirty="0">
                 <a:solidFill>
+                  <a:srgbClr val="F8F8F2"/>
+                </a:solidFill>
+                <a:latin typeface="Consolas" panose="020B0609020204030204" pitchFamily="49" charset="0"/>
+              </a:rPr>
+              <a:t>{</a:t>
+            </a:r>
+          </a:p>
+          <a:p>
+            <a:pPr lvl="2"/>
+            <a:r>
+              <a:rPr lang="en-US" altLang="zh-TW" sz="1200" dirty="0">
+                <a:solidFill>
+                  <a:srgbClr val="F8F8F2"/>
+                </a:solidFill>
+                <a:latin typeface="Consolas" panose="020B0609020204030204" pitchFamily="49" charset="0"/>
+              </a:rPr>
+              <a:t>opacity: </a:t>
+            </a:r>
+            <a:r>
+              <a:rPr lang="en-US" altLang="zh-TW" sz="1200" dirty="0">
+                <a:solidFill>
                   <a:srgbClr val="FF80F4"/>
                 </a:solidFill>
                 <a:latin typeface="Consolas" panose="020B0609020204030204" pitchFamily="49" charset="0"/>
               </a:rPr>
-              <a:t>0</a:t>
-            </a:r>
-            <a:r>
-              <a:rPr lang="en-US" altLang="zh-TW" sz="1200" dirty="0">
-                <a:solidFill>
-                  <a:srgbClr val="F8F8F2"/>
-                </a:solidFill>
-                <a:latin typeface="Consolas" panose="020B0609020204030204" pitchFamily="49" charset="0"/>
-              </a:rPr>
-              <a:t>, {</a:t>
+              <a:t>1</a:t>
+            </a:r>
+            <a:r>
+              <a:rPr lang="en-US" altLang="zh-TW" sz="1200" dirty="0">
+                <a:solidFill>
+                  <a:srgbClr val="F8F8F2"/>
+                </a:solidFill>
+                <a:latin typeface="Consolas" panose="020B0609020204030204" pitchFamily="49" charset="0"/>
+              </a:rPr>
+              <a:t>,</a:t>
             </a:r>
           </a:p>
           <a:p>
@@ -17472,7 +17493,7 @@
                 </a:solidFill>
                 <a:latin typeface="Consolas" panose="020B0609020204030204" pitchFamily="49" charset="0"/>
               </a:rPr>
-              <a:t>opacity: </a:t>
+              <a:t>scale: </a:t>
             </a:r>
             <a:r>
               <a:rPr lang="en-US" altLang="zh-TW" sz="1200" dirty="0">
@@ -17494,64 +17515,22 @@
             </a:r>
           </a:p>
           <a:p>
-            <a:pPr lvl="2"/>
-            <a:r>
-              <a:rPr lang="en-US" altLang="zh-TW" sz="1200" dirty="0">
-                <a:solidFill>
-                  <a:srgbClr val="F8F8F2"/>
-                </a:solidFill>
-                <a:latin typeface="Consolas" panose="020B0609020204030204" pitchFamily="49" charset="0"/>
-              </a:rPr>
-              <a:t>scale: </a:t>
-            </a:r>
-            <a:r>
-              <a:rPr lang="en-US" altLang="zh-TW" sz="1200" dirty="0">
-                <a:solidFill>
-                  <a:srgbClr val="FF80F4"/>
-                </a:solidFill>
-                <a:latin typeface="Consolas" panose="020B0609020204030204" pitchFamily="49" charset="0"/>
-              </a:rPr>
-              <a:t>1</a:t>
-            </a:r>
-            <a:r>
-              <a:rPr lang="en-US" altLang="zh-TW" sz="1200" dirty="0">
-                <a:solidFill>
-                  <a:srgbClr val="F8F8F2"/>
-                </a:solidFill>
-                <a:latin typeface="Consolas" panose="020B0609020204030204" pitchFamily="49" charset="0"/>
-              </a:rPr>
-              <a:t>,</a:t>
-            </a:r>
-          </a:p>
-          <a:p>
             <a:pPr lvl="1"/>
             <a:r>
-              <a:rPr lang="en-US" altLang="zh-TW" sz="1200" dirty="0">
-                <a:solidFill>
-                  <a:srgbClr val="F8F8F2"/>
-                </a:solidFill>
-                <a:latin typeface="Consolas" panose="020B0609020204030204" pitchFamily="49" charset="0"/>
-              </a:rPr>
-              <a:t>}, </a:t>
-            </a:r>
-            <a:r>
-              <a:rPr lang="en-US" altLang="zh-TW" sz="1200" dirty="0">
-                <a:solidFill>
-                  <a:srgbClr val="FF80F4"/>
-                </a:solidFill>
-                <a:latin typeface="Consolas" panose="020B0609020204030204" pitchFamily="49" charset="0"/>
-              </a:rPr>
-              <a:t>0</a:t>
-            </a:r>
-            <a:r>
-              <a:rPr lang="en-US" altLang="zh-TW" sz="1200" dirty="0">
-                <a:solidFill>
-                  <a:srgbClr val="F8F8F2"/>
-                </a:solidFill>
-                <a:latin typeface="Consolas" panose="020B0609020204030204" pitchFamily="49" charset="0"/>
-              </a:rPr>
-              <a:t>);</a:t>
-            </a:r>
+              <a:rPr lang="en-US" altLang="zh-TW" sz="1200" smtClean="0">
+                <a:solidFill>
+                  <a:srgbClr val="F8F8F2"/>
+                </a:solidFill>
+                <a:latin typeface="Consolas" panose="020B0609020204030204" pitchFamily="49" charset="0"/>
+              </a:rPr>
+              <a:t>});</a:t>
+            </a:r>
+            <a:endParaRPr lang="en-US" altLang="zh-TW" sz="1200" dirty="0">
+              <a:solidFill>
+                <a:srgbClr val="F8F8F2"/>
+              </a:solidFill>
+              <a:latin typeface="Consolas" panose="020B0609020204030204" pitchFamily="49" charset="0"/>
+            </a:endParaRPr>
           </a:p>
           <a:p>
             <a:r>

--- a/JavaScript ＆ TweenMax 動態特效速成實戰.pptx
+++ b/JavaScript ＆ TweenMax 動態特效速成實戰.pptx
@@ -45,6 +45,20 @@
     <p:sldId id="290" r:id="rId39"/>
     <p:sldId id="291" r:id="rId40"/>
     <p:sldId id="292" r:id="rId41"/>
+    <p:sldId id="298" r:id="rId42"/>
+    <p:sldId id="299" r:id="rId43"/>
+    <p:sldId id="300" r:id="rId44"/>
+    <p:sldId id="301" r:id="rId45"/>
+    <p:sldId id="302" r:id="rId46"/>
+    <p:sldId id="303" r:id="rId47"/>
+    <p:sldId id="304" r:id="rId48"/>
+    <p:sldId id="305" r:id="rId49"/>
+    <p:sldId id="306" r:id="rId50"/>
+    <p:sldId id="309" r:id="rId51"/>
+    <p:sldId id="310" r:id="rId52"/>
+    <p:sldId id="311" r:id="rId53"/>
+    <p:sldId id="307" r:id="rId54"/>
+    <p:sldId id="308" r:id="rId55"/>
   </p:sldIdLst>
   <p:sldSz cx="12192000" cy="6858000"/>
   <p:notesSz cx="6858000" cy="9144000"/>
@@ -282,7 +296,7 @@
           <a:p>
             <a:fld id="{C3021F6F-6F99-4319-AE6F-AE3C5A992A21}" type="datetimeFigureOut">
               <a:rPr lang="zh-TW" altLang="en-US" smtClean="0"/>
-              <a:t>2018/7/22</a:t>
+              <a:t>2018/8/18</a:t>
             </a:fld>
             <a:endParaRPr lang="zh-TW" altLang="en-US"/>
           </a:p>
@@ -452,7 +466,7 @@
           <a:p>
             <a:fld id="{C3021F6F-6F99-4319-AE6F-AE3C5A992A21}" type="datetimeFigureOut">
               <a:rPr lang="zh-TW" altLang="en-US" smtClean="0"/>
-              <a:t>2018/7/22</a:t>
+              <a:t>2018/8/18</a:t>
             </a:fld>
             <a:endParaRPr lang="zh-TW" altLang="en-US"/>
           </a:p>
@@ -632,7 +646,7 @@
           <a:p>
             <a:fld id="{C3021F6F-6F99-4319-AE6F-AE3C5A992A21}" type="datetimeFigureOut">
               <a:rPr lang="zh-TW" altLang="en-US" smtClean="0"/>
-              <a:t>2018/7/22</a:t>
+              <a:t>2018/8/18</a:t>
             </a:fld>
             <a:endParaRPr lang="zh-TW" altLang="en-US"/>
           </a:p>
@@ -802,7 +816,7 @@
           <a:p>
             <a:fld id="{C3021F6F-6F99-4319-AE6F-AE3C5A992A21}" type="datetimeFigureOut">
               <a:rPr lang="zh-TW" altLang="en-US" smtClean="0"/>
-              <a:t>2018/7/22</a:t>
+              <a:t>2018/8/18</a:t>
             </a:fld>
             <a:endParaRPr lang="zh-TW" altLang="en-US"/>
           </a:p>
@@ -1048,7 +1062,7 @@
           <a:p>
             <a:fld id="{C3021F6F-6F99-4319-AE6F-AE3C5A992A21}" type="datetimeFigureOut">
               <a:rPr lang="zh-TW" altLang="en-US" smtClean="0"/>
-              <a:t>2018/7/22</a:t>
+              <a:t>2018/8/18</a:t>
             </a:fld>
             <a:endParaRPr lang="zh-TW" altLang="en-US"/>
           </a:p>
@@ -1280,7 +1294,7 @@
           <a:p>
             <a:fld id="{C3021F6F-6F99-4319-AE6F-AE3C5A992A21}" type="datetimeFigureOut">
               <a:rPr lang="zh-TW" altLang="en-US" smtClean="0"/>
-              <a:t>2018/7/22</a:t>
+              <a:t>2018/8/18</a:t>
             </a:fld>
             <a:endParaRPr lang="zh-TW" altLang="en-US"/>
           </a:p>
@@ -1647,7 +1661,7 @@
           <a:p>
             <a:fld id="{C3021F6F-6F99-4319-AE6F-AE3C5A992A21}" type="datetimeFigureOut">
               <a:rPr lang="zh-TW" altLang="en-US" smtClean="0"/>
-              <a:t>2018/7/22</a:t>
+              <a:t>2018/8/18</a:t>
             </a:fld>
             <a:endParaRPr lang="zh-TW" altLang="en-US"/>
           </a:p>
@@ -1765,7 +1779,7 @@
           <a:p>
             <a:fld id="{C3021F6F-6F99-4319-AE6F-AE3C5A992A21}" type="datetimeFigureOut">
               <a:rPr lang="zh-TW" altLang="en-US" smtClean="0"/>
-              <a:t>2018/7/22</a:t>
+              <a:t>2018/8/18</a:t>
             </a:fld>
             <a:endParaRPr lang="zh-TW" altLang="en-US"/>
           </a:p>
@@ -1860,7 +1874,7 @@
           <a:p>
             <a:fld id="{C3021F6F-6F99-4319-AE6F-AE3C5A992A21}" type="datetimeFigureOut">
               <a:rPr lang="zh-TW" altLang="en-US" smtClean="0"/>
-              <a:t>2018/7/22</a:t>
+              <a:t>2018/8/18</a:t>
             </a:fld>
             <a:endParaRPr lang="zh-TW" altLang="en-US"/>
           </a:p>
@@ -2137,7 +2151,7 @@
           <a:p>
             <a:fld id="{C3021F6F-6F99-4319-AE6F-AE3C5A992A21}" type="datetimeFigureOut">
               <a:rPr lang="zh-TW" altLang="en-US" smtClean="0"/>
-              <a:t>2018/7/22</a:t>
+              <a:t>2018/8/18</a:t>
             </a:fld>
             <a:endParaRPr lang="zh-TW" altLang="en-US"/>
           </a:p>
@@ -2390,7 +2404,7 @@
           <a:p>
             <a:fld id="{C3021F6F-6F99-4319-AE6F-AE3C5A992A21}" type="datetimeFigureOut">
               <a:rPr lang="zh-TW" altLang="en-US" smtClean="0"/>
-              <a:t>2018/7/22</a:t>
+              <a:t>2018/8/18</a:t>
             </a:fld>
             <a:endParaRPr lang="zh-TW" altLang="en-US"/>
           </a:p>
@@ -2606,7 +2620,7 @@
           <a:p>
             <a:fld id="{C3021F6F-6F99-4319-AE6F-AE3C5A992A21}" type="datetimeFigureOut">
               <a:rPr lang="zh-TW" altLang="en-US" smtClean="0"/>
-              <a:t>2018/7/22</a:t>
+              <a:t>2018/8/18</a:t>
             </a:fld>
             <a:endParaRPr lang="zh-TW" altLang="en-US"/>
           </a:p>
@@ -17436,88 +17450,88 @@
               <a:t>set</a:t>
             </a:r>
             <a:r>
+              <a:rPr lang="en-US" altLang="zh-TW" sz="1200" smtClean="0">
+                <a:solidFill>
+                  <a:srgbClr val="F8F8F2"/>
+                </a:solidFill>
+                <a:latin typeface="Consolas" panose="020B0609020204030204" pitchFamily="49" charset="0"/>
+              </a:rPr>
+              <a:t>(el, </a:t>
+            </a:r>
+            <a:r>
+              <a:rPr lang="en-US" altLang="zh-TW" sz="1200" dirty="0">
+                <a:solidFill>
+                  <a:srgbClr val="F8F8F2"/>
+                </a:solidFill>
+                <a:latin typeface="Consolas" panose="020B0609020204030204" pitchFamily="49" charset="0"/>
+              </a:rPr>
+              <a:t>{</a:t>
+            </a:r>
+          </a:p>
+          <a:p>
+            <a:pPr lvl="2"/>
+            <a:r>
+              <a:rPr lang="en-US" altLang="zh-TW" sz="1200" dirty="0">
+                <a:solidFill>
+                  <a:srgbClr val="F8F8F2"/>
+                </a:solidFill>
+                <a:latin typeface="Consolas" panose="020B0609020204030204" pitchFamily="49" charset="0"/>
+              </a:rPr>
+              <a:t>opacity: </a:t>
+            </a:r>
+            <a:r>
+              <a:rPr lang="en-US" altLang="zh-TW" sz="1200" dirty="0">
+                <a:solidFill>
+                  <a:srgbClr val="FF80F4"/>
+                </a:solidFill>
+                <a:latin typeface="Consolas" panose="020B0609020204030204" pitchFamily="49" charset="0"/>
+              </a:rPr>
+              <a:t>1</a:t>
+            </a:r>
+            <a:r>
+              <a:rPr lang="en-US" altLang="zh-TW" sz="1200" dirty="0">
+                <a:solidFill>
+                  <a:srgbClr val="F8F8F2"/>
+                </a:solidFill>
+                <a:latin typeface="Consolas" panose="020B0609020204030204" pitchFamily="49" charset="0"/>
+              </a:rPr>
+              <a:t>,</a:t>
+            </a:r>
+          </a:p>
+          <a:p>
+            <a:pPr lvl="2"/>
+            <a:r>
+              <a:rPr lang="en-US" altLang="zh-TW" sz="1200" dirty="0">
+                <a:solidFill>
+                  <a:srgbClr val="F8F8F2"/>
+                </a:solidFill>
+                <a:latin typeface="Consolas" panose="020B0609020204030204" pitchFamily="49" charset="0"/>
+              </a:rPr>
+              <a:t>scale: </a:t>
+            </a:r>
+            <a:r>
+              <a:rPr lang="en-US" altLang="zh-TW" sz="1200" dirty="0">
+                <a:solidFill>
+                  <a:srgbClr val="FF80F4"/>
+                </a:solidFill>
+                <a:latin typeface="Consolas" panose="020B0609020204030204" pitchFamily="49" charset="0"/>
+              </a:rPr>
+              <a:t>1</a:t>
+            </a:r>
+            <a:r>
+              <a:rPr lang="en-US" altLang="zh-TW" sz="1200" dirty="0">
+                <a:solidFill>
+                  <a:srgbClr val="F8F8F2"/>
+                </a:solidFill>
+                <a:latin typeface="Consolas" panose="020B0609020204030204" pitchFamily="49" charset="0"/>
+              </a:rPr>
+              <a:t>,</a:t>
+            </a:r>
+          </a:p>
+          <a:p>
+            <a:pPr lvl="1"/>
+            <a:r>
               <a:rPr lang="en-US" altLang="zh-TW" sz="1200" dirty="0" smtClean="0">
-                <a:solidFill>
-                  <a:srgbClr val="F8F8F2"/>
-                </a:solidFill>
-                <a:latin typeface="Consolas" panose="020B0609020204030204" pitchFamily="49" charset="0"/>
-              </a:rPr>
-              <a:t>(el, </a:t>
-            </a:r>
-            <a:r>
-              <a:rPr lang="en-US" altLang="zh-TW" sz="1200" dirty="0">
-                <a:solidFill>
-                  <a:srgbClr val="F8F8F2"/>
-                </a:solidFill>
-                <a:latin typeface="Consolas" panose="020B0609020204030204" pitchFamily="49" charset="0"/>
-              </a:rPr>
-              <a:t>{</a:t>
-            </a:r>
-          </a:p>
-          <a:p>
-            <a:pPr lvl="2"/>
-            <a:r>
-              <a:rPr lang="en-US" altLang="zh-TW" sz="1200" dirty="0">
-                <a:solidFill>
-                  <a:srgbClr val="F8F8F2"/>
-                </a:solidFill>
-                <a:latin typeface="Consolas" panose="020B0609020204030204" pitchFamily="49" charset="0"/>
-              </a:rPr>
-              <a:t>opacity: </a:t>
-            </a:r>
-            <a:r>
-              <a:rPr lang="en-US" altLang="zh-TW" sz="1200" dirty="0">
-                <a:solidFill>
-                  <a:srgbClr val="FF80F4"/>
-                </a:solidFill>
-                <a:latin typeface="Consolas" panose="020B0609020204030204" pitchFamily="49" charset="0"/>
-              </a:rPr>
-              <a:t>1</a:t>
-            </a:r>
-            <a:r>
-              <a:rPr lang="en-US" altLang="zh-TW" sz="1200" dirty="0">
-                <a:solidFill>
-                  <a:srgbClr val="F8F8F2"/>
-                </a:solidFill>
-                <a:latin typeface="Consolas" panose="020B0609020204030204" pitchFamily="49" charset="0"/>
-              </a:rPr>
-              <a:t>,</a:t>
-            </a:r>
-          </a:p>
-          <a:p>
-            <a:pPr lvl="2"/>
-            <a:r>
-              <a:rPr lang="en-US" altLang="zh-TW" sz="1200" dirty="0">
-                <a:solidFill>
-                  <a:srgbClr val="F8F8F2"/>
-                </a:solidFill>
-                <a:latin typeface="Consolas" panose="020B0609020204030204" pitchFamily="49" charset="0"/>
-              </a:rPr>
-              <a:t>scale: </a:t>
-            </a:r>
-            <a:r>
-              <a:rPr lang="en-US" altLang="zh-TW" sz="1200" dirty="0">
-                <a:solidFill>
-                  <a:srgbClr val="FF80F4"/>
-                </a:solidFill>
-                <a:latin typeface="Consolas" panose="020B0609020204030204" pitchFamily="49" charset="0"/>
-              </a:rPr>
-              <a:t>1</a:t>
-            </a:r>
-            <a:r>
-              <a:rPr lang="en-US" altLang="zh-TW" sz="1200" dirty="0">
-                <a:solidFill>
-                  <a:srgbClr val="F8F8F2"/>
-                </a:solidFill>
-                <a:latin typeface="Consolas" panose="020B0609020204030204" pitchFamily="49" charset="0"/>
-              </a:rPr>
-              <a:t>,</a:t>
-            </a:r>
-          </a:p>
-          <a:p>
-            <a:pPr lvl="1"/>
-            <a:r>
-              <a:rPr lang="en-US" altLang="zh-TW" sz="1200" smtClean="0">
                 <a:solidFill>
                   <a:srgbClr val="F8F8F2"/>
                 </a:solidFill>
@@ -19958,6 +19972,958 @@
 </p:sld>
 </file>
 
+<file path=ppt/slides/slide41.xml><?xml version="1.0" encoding="utf-8"?>
+<p:sld xmlns:a="http://schemas.openxmlformats.org/drawingml/2006/main" xmlns:r="http://schemas.openxmlformats.org/officeDocument/2006/relationships" xmlns:p="http://schemas.openxmlformats.org/presentationml/2006/main">
+  <p:cSld>
+    <p:spTree>
+      <p:nvGrpSpPr>
+        <p:cNvPr id="1" name=""/>
+        <p:cNvGrpSpPr/>
+        <p:nvPr/>
+      </p:nvGrpSpPr>
+      <p:grpSpPr>
+        <a:xfrm>
+          <a:off x="0" y="0"/>
+          <a:ext cx="0" cy="0"/>
+          <a:chOff x="0" y="0"/>
+          <a:chExt cx="0" cy="0"/>
+        </a:xfrm>
+      </p:grpSpPr>
+      <p:sp>
+        <p:nvSpPr>
+          <p:cNvPr id="2" name="標題 1"/>
+          <p:cNvSpPr>
+            <a:spLocks noGrp="1"/>
+          </p:cNvSpPr>
+          <p:nvPr>
+            <p:ph type="title"/>
+          </p:nvPr>
+        </p:nvSpPr>
+        <p:spPr>
+          <a:xfrm>
+            <a:off x="627807" y="518874"/>
+            <a:ext cx="3660972" cy="589735"/>
+          </a:xfrm>
+        </p:spPr>
+        <p:txBody>
+          <a:bodyPr>
+            <a:normAutofit/>
+          </a:bodyPr>
+          <a:lstStyle/>
+          <a:p>
+            <a:r>
+              <a:rPr lang="zh-TW" altLang="en-US" sz="2400" dirty="0">
+                <a:solidFill>
+                  <a:srgbClr val="89CE01"/>
+                </a:solidFill>
+                <a:latin typeface="Adobe 繁黑體 Std B" panose="020B0700000000000000" pitchFamily="34" charset="-120"/>
+                <a:ea typeface="Adobe 繁黑體 Std B" panose="020B0700000000000000" pitchFamily="34" charset="-120"/>
+              </a:rPr>
+              <a:t>現代前端套件安裝管理</a:t>
+            </a:r>
+          </a:p>
+        </p:txBody>
+      </p:sp>
+      <p:pic>
+        <p:nvPicPr>
+          <p:cNvPr id="8" name="圖片 7"/>
+          <p:cNvPicPr>
+            <a:picLocks noChangeAspect="1"/>
+          </p:cNvPicPr>
+          <p:nvPr/>
+        </p:nvPicPr>
+        <p:blipFill>
+          <a:blip r:embed="rId2">
+            <a:extLst>
+              <a:ext uri="{28A0092B-C50C-407E-A947-70E740481C1C}">
+                <a14:useLocalDpi xmlns:a14="http://schemas.microsoft.com/office/drawing/2010/main" val="0"/>
+              </a:ext>
+            </a:extLst>
+          </a:blip>
+          <a:stretch>
+            <a:fillRect/>
+          </a:stretch>
+        </p:blipFill>
+        <p:spPr>
+          <a:xfrm>
+            <a:off x="1431533" y="813741"/>
+            <a:ext cx="9144000" cy="5334000"/>
+          </a:xfrm>
+          <a:prstGeom prst="rect">
+            <a:avLst/>
+          </a:prstGeom>
+        </p:spPr>
+      </p:pic>
+    </p:spTree>
+    <p:extLst>
+      <p:ext uri="{BB962C8B-B14F-4D97-AF65-F5344CB8AC3E}">
+        <p14:creationId xmlns:p14="http://schemas.microsoft.com/office/powerpoint/2010/main" val="4005814329"/>
+      </p:ext>
+    </p:extLst>
+  </p:cSld>
+  <p:clrMapOvr>
+    <a:masterClrMapping/>
+  </p:clrMapOvr>
+  <p:timing>
+    <p:tnLst>
+      <p:par>
+        <p:cTn id="1" dur="indefinite" restart="never" nodeType="tmRoot"/>
+      </p:par>
+    </p:tnLst>
+  </p:timing>
+</p:sld>
+</file>
+
+<file path=ppt/slides/slide42.xml><?xml version="1.0" encoding="utf-8"?>
+<p:sld xmlns:a="http://schemas.openxmlformats.org/drawingml/2006/main" xmlns:r="http://schemas.openxmlformats.org/officeDocument/2006/relationships" xmlns:p="http://schemas.openxmlformats.org/presentationml/2006/main">
+  <p:cSld>
+    <p:spTree>
+      <p:nvGrpSpPr>
+        <p:cNvPr id="1" name=""/>
+        <p:cNvGrpSpPr/>
+        <p:nvPr/>
+      </p:nvGrpSpPr>
+      <p:grpSpPr>
+        <a:xfrm>
+          <a:off x="0" y="0"/>
+          <a:ext cx="0" cy="0"/>
+          <a:chOff x="0" y="0"/>
+          <a:chExt cx="0" cy="0"/>
+        </a:xfrm>
+      </p:grpSpPr>
+      <p:sp>
+        <p:nvSpPr>
+          <p:cNvPr id="2" name="標題 1"/>
+          <p:cNvSpPr>
+            <a:spLocks noGrp="1"/>
+          </p:cNvSpPr>
+          <p:nvPr>
+            <p:ph type="title"/>
+          </p:nvPr>
+        </p:nvSpPr>
+        <p:spPr>
+          <a:xfrm>
+            <a:off x="627807" y="518874"/>
+            <a:ext cx="3660972" cy="589735"/>
+          </a:xfrm>
+        </p:spPr>
+        <p:txBody>
+          <a:bodyPr>
+            <a:normAutofit/>
+          </a:bodyPr>
+          <a:lstStyle/>
+          <a:p>
+            <a:r>
+              <a:rPr lang="zh-TW" altLang="en-US" sz="2400" dirty="0">
+                <a:solidFill>
+                  <a:srgbClr val="89CE01"/>
+                </a:solidFill>
+                <a:latin typeface="Adobe 繁黑體 Std B" panose="020B0700000000000000" pitchFamily="34" charset="-120"/>
+                <a:ea typeface="Adobe 繁黑體 Std B" panose="020B0700000000000000" pitchFamily="34" charset="-120"/>
+              </a:rPr>
+              <a:t>現代前端套件安裝管理</a:t>
+            </a:r>
+          </a:p>
+        </p:txBody>
+      </p:sp>
+      <p:pic>
+        <p:nvPicPr>
+          <p:cNvPr id="3" name="圖片 2"/>
+          <p:cNvPicPr>
+            <a:picLocks noChangeAspect="1"/>
+          </p:cNvPicPr>
+          <p:nvPr/>
+        </p:nvPicPr>
+        <p:blipFill>
+          <a:blip r:embed="rId2">
+            <a:extLst>
+              <a:ext uri="{28A0092B-C50C-407E-A947-70E740481C1C}">
+                <a14:useLocalDpi xmlns:a14="http://schemas.microsoft.com/office/drawing/2010/main" val="0"/>
+              </a:ext>
+            </a:extLst>
+          </a:blip>
+          <a:stretch>
+            <a:fillRect/>
+          </a:stretch>
+        </p:blipFill>
+        <p:spPr>
+          <a:xfrm>
+            <a:off x="257175" y="237447"/>
+            <a:ext cx="11349520" cy="6620553"/>
+          </a:xfrm>
+          <a:prstGeom prst="rect">
+            <a:avLst/>
+          </a:prstGeom>
+        </p:spPr>
+      </p:pic>
+    </p:spTree>
+    <p:extLst>
+      <p:ext uri="{BB962C8B-B14F-4D97-AF65-F5344CB8AC3E}">
+        <p14:creationId xmlns:p14="http://schemas.microsoft.com/office/powerpoint/2010/main" val="2674419588"/>
+      </p:ext>
+    </p:extLst>
+  </p:cSld>
+  <p:clrMapOvr>
+    <a:masterClrMapping/>
+  </p:clrMapOvr>
+  <p:timing>
+    <p:tnLst>
+      <p:par>
+        <p:cTn id="1" dur="indefinite" restart="never" nodeType="tmRoot"/>
+      </p:par>
+    </p:tnLst>
+  </p:timing>
+</p:sld>
+</file>
+
+<file path=ppt/slides/slide43.xml><?xml version="1.0" encoding="utf-8"?>
+<p:sld xmlns:a="http://schemas.openxmlformats.org/drawingml/2006/main" xmlns:r="http://schemas.openxmlformats.org/officeDocument/2006/relationships" xmlns:p="http://schemas.openxmlformats.org/presentationml/2006/main">
+  <p:cSld>
+    <p:spTree>
+      <p:nvGrpSpPr>
+        <p:cNvPr id="1" name=""/>
+        <p:cNvGrpSpPr/>
+        <p:nvPr/>
+      </p:nvGrpSpPr>
+      <p:grpSpPr>
+        <a:xfrm>
+          <a:off x="0" y="0"/>
+          <a:ext cx="0" cy="0"/>
+          <a:chOff x="0" y="0"/>
+          <a:chExt cx="0" cy="0"/>
+        </a:xfrm>
+      </p:grpSpPr>
+      <p:sp>
+        <p:nvSpPr>
+          <p:cNvPr id="2" name="標題 1"/>
+          <p:cNvSpPr>
+            <a:spLocks noGrp="1"/>
+          </p:cNvSpPr>
+          <p:nvPr>
+            <p:ph type="title"/>
+          </p:nvPr>
+        </p:nvSpPr>
+        <p:spPr>
+          <a:xfrm>
+            <a:off x="627807" y="518874"/>
+            <a:ext cx="3660972" cy="589735"/>
+          </a:xfrm>
+        </p:spPr>
+        <p:txBody>
+          <a:bodyPr>
+            <a:normAutofit/>
+          </a:bodyPr>
+          <a:lstStyle/>
+          <a:p>
+            <a:r>
+              <a:rPr lang="zh-TW" altLang="en-US" sz="2400" dirty="0">
+                <a:solidFill>
+                  <a:srgbClr val="89CE01"/>
+                </a:solidFill>
+                <a:latin typeface="Adobe 繁黑體 Std B" panose="020B0700000000000000" pitchFamily="34" charset="-120"/>
+                <a:ea typeface="Adobe 繁黑體 Std B" panose="020B0700000000000000" pitchFamily="34" charset="-120"/>
+              </a:rPr>
+              <a:t>現代前端套件安裝管理</a:t>
+            </a:r>
+          </a:p>
+        </p:txBody>
+      </p:sp>
+      <p:pic>
+        <p:nvPicPr>
+          <p:cNvPr id="5" name="圖片 4"/>
+          <p:cNvPicPr>
+            <a:picLocks noChangeAspect="1"/>
+          </p:cNvPicPr>
+          <p:nvPr/>
+        </p:nvPicPr>
+        <p:blipFill>
+          <a:blip r:embed="rId2">
+            <a:extLst>
+              <a:ext uri="{28A0092B-C50C-407E-A947-70E740481C1C}">
+                <a14:useLocalDpi xmlns:a14="http://schemas.microsoft.com/office/drawing/2010/main" val="0"/>
+              </a:ext>
+            </a:extLst>
+          </a:blip>
+          <a:stretch>
+            <a:fillRect/>
+          </a:stretch>
+        </p:blipFill>
+        <p:spPr>
+          <a:xfrm>
+            <a:off x="1333500" y="638175"/>
+            <a:ext cx="9144000" cy="5334000"/>
+          </a:xfrm>
+          <a:prstGeom prst="rect">
+            <a:avLst/>
+          </a:prstGeom>
+        </p:spPr>
+      </p:pic>
+    </p:spTree>
+    <p:extLst>
+      <p:ext uri="{BB962C8B-B14F-4D97-AF65-F5344CB8AC3E}">
+        <p14:creationId xmlns:p14="http://schemas.microsoft.com/office/powerpoint/2010/main" val="931623566"/>
+      </p:ext>
+    </p:extLst>
+  </p:cSld>
+  <p:clrMapOvr>
+    <a:masterClrMapping/>
+  </p:clrMapOvr>
+  <p:timing>
+    <p:tnLst>
+      <p:par>
+        <p:cTn id="1" dur="indefinite" restart="never" nodeType="tmRoot"/>
+      </p:par>
+    </p:tnLst>
+  </p:timing>
+</p:sld>
+</file>
+
+<file path=ppt/slides/slide44.xml><?xml version="1.0" encoding="utf-8"?>
+<p:sld xmlns:a="http://schemas.openxmlformats.org/drawingml/2006/main" xmlns:r="http://schemas.openxmlformats.org/officeDocument/2006/relationships" xmlns:p="http://schemas.openxmlformats.org/presentationml/2006/main">
+  <p:cSld>
+    <p:spTree>
+      <p:nvGrpSpPr>
+        <p:cNvPr id="1" name=""/>
+        <p:cNvGrpSpPr/>
+        <p:nvPr/>
+      </p:nvGrpSpPr>
+      <p:grpSpPr>
+        <a:xfrm>
+          <a:off x="0" y="0"/>
+          <a:ext cx="0" cy="0"/>
+          <a:chOff x="0" y="0"/>
+          <a:chExt cx="0" cy="0"/>
+        </a:xfrm>
+      </p:grpSpPr>
+      <p:sp>
+        <p:nvSpPr>
+          <p:cNvPr id="4" name="標題 1"/>
+          <p:cNvSpPr>
+            <a:spLocks noGrp="1"/>
+          </p:cNvSpPr>
+          <p:nvPr>
+            <p:ph type="title"/>
+          </p:nvPr>
+        </p:nvSpPr>
+        <p:spPr>
+          <a:xfrm>
+            <a:off x="1456564" y="2299120"/>
+            <a:ext cx="9135909" cy="2895966"/>
+          </a:xfrm>
+        </p:spPr>
+        <p:txBody>
+          <a:bodyPr>
+            <a:noAutofit/>
+          </a:bodyPr>
+          <a:lstStyle/>
+          <a:p>
+            <a:pPr algn="ctr">
+              <a:lnSpc>
+                <a:spcPct val="150000"/>
+              </a:lnSpc>
+            </a:pPr>
+            <a:r>
+              <a:rPr lang="en-US" altLang="zh-TW" sz="3200" dirty="0" smtClean="0">
+                <a:solidFill>
+                  <a:srgbClr val="89CE01"/>
+                </a:solidFill>
+                <a:latin typeface="Adobe 繁黑體 Std B" panose="020B0700000000000000" pitchFamily="34" charset="-120"/>
+                <a:ea typeface="Adobe 繁黑體 Std B" panose="020B0700000000000000" pitchFamily="34" charset="-120"/>
+              </a:rPr>
+              <a:t>【</a:t>
+            </a:r>
+            <a:r>
+              <a:rPr lang="zh-TW" altLang="en-US" sz="3200" dirty="0">
+                <a:solidFill>
+                  <a:srgbClr val="89CE01"/>
+                </a:solidFill>
+                <a:latin typeface="Adobe 繁黑體 Std B" panose="020B0700000000000000" pitchFamily="34" charset="-120"/>
+                <a:ea typeface="Adobe 繁黑體 Std B" panose="020B0700000000000000" pitchFamily="34" charset="-120"/>
+              </a:rPr>
+              <a:t>拆解</a:t>
+            </a:r>
+            <a:r>
+              <a:rPr lang="zh-TW" altLang="en-US" sz="3200" dirty="0" smtClean="0">
+                <a:solidFill>
+                  <a:srgbClr val="89CE01"/>
+                </a:solidFill>
+                <a:latin typeface="Adobe 繁黑體 Std B" panose="020B0700000000000000" pitchFamily="34" charset="-120"/>
+                <a:ea typeface="Adobe 繁黑體 Std B" panose="020B0700000000000000" pitchFamily="34" charset="-120"/>
+              </a:rPr>
+              <a:t>動畫、瞭解需求</a:t>
+            </a:r>
+            <a:r>
+              <a:rPr lang="en-US" altLang="zh-TW" sz="3200" dirty="0">
+                <a:solidFill>
+                  <a:srgbClr val="89CE01"/>
+                </a:solidFill>
+                <a:latin typeface="Adobe 繁黑體 Std B" panose="020B0700000000000000" pitchFamily="34" charset="-120"/>
+                <a:ea typeface="Adobe 繁黑體 Std B" panose="020B0700000000000000" pitchFamily="34" charset="-120"/>
+              </a:rPr>
+              <a:t>】</a:t>
+            </a:r>
+            <a:r>
+              <a:rPr lang="en-US" altLang="zh-TW" sz="3200" dirty="0" smtClean="0">
+                <a:solidFill>
+                  <a:srgbClr val="89CE01"/>
+                </a:solidFill>
+                <a:latin typeface="Adobe 繁黑體 Std B" panose="020B0700000000000000" pitchFamily="34" charset="-120"/>
+                <a:ea typeface="Adobe 繁黑體 Std B" panose="020B0700000000000000" pitchFamily="34" charset="-120"/>
+              </a:rPr>
+              <a:t/>
+            </a:r>
+            <a:br>
+              <a:rPr lang="en-US" altLang="zh-TW" sz="3200" dirty="0" smtClean="0">
+                <a:solidFill>
+                  <a:srgbClr val="89CE01"/>
+                </a:solidFill>
+                <a:latin typeface="Adobe 繁黑體 Std B" panose="020B0700000000000000" pitchFamily="34" charset="-120"/>
+                <a:ea typeface="Adobe 繁黑體 Std B" panose="020B0700000000000000" pitchFamily="34" charset="-120"/>
+              </a:rPr>
+            </a:br>
+            <a:r>
+              <a:rPr lang="zh-TW" altLang="en-US" sz="3200" dirty="0" smtClean="0">
+                <a:solidFill>
+                  <a:srgbClr val="89CE01"/>
+                </a:solidFill>
+                <a:latin typeface="Adobe 繁黑體 Std B" panose="020B0700000000000000" pitchFamily="34" charset="-120"/>
+                <a:ea typeface="Adobe 繁黑體 Std B" panose="020B0700000000000000" pitchFamily="34" charset="-120"/>
+              </a:rPr>
+              <a:t>切開</a:t>
+            </a:r>
+            <a:r>
+              <a:rPr lang="zh-TW" altLang="en-US" sz="3200" dirty="0">
+                <a:solidFill>
+                  <a:srgbClr val="89CE01"/>
+                </a:solidFill>
+                <a:latin typeface="Adobe 繁黑體 Std B" panose="020B0700000000000000" pitchFamily="34" charset="-120"/>
+                <a:ea typeface="Adobe 繁黑體 Std B" panose="020B0700000000000000" pitchFamily="34" charset="-120"/>
+              </a:rPr>
+              <a:t>設計師腦袋，建立溝通</a:t>
+            </a:r>
+            <a:r>
+              <a:rPr lang="zh-TW" altLang="en-US" sz="3200" dirty="0" smtClean="0">
+                <a:solidFill>
+                  <a:srgbClr val="89CE01"/>
+                </a:solidFill>
+                <a:latin typeface="Adobe 繁黑體 Std B" panose="020B0700000000000000" pitchFamily="34" charset="-120"/>
+                <a:ea typeface="Adobe 繁黑體 Std B" panose="020B0700000000000000" pitchFamily="34" charset="-120"/>
+              </a:rPr>
+              <a:t>語言</a:t>
+            </a:r>
+            <a:r>
+              <a:rPr lang="en-US" altLang="zh-TW" sz="3200" dirty="0" smtClean="0">
+                <a:solidFill>
+                  <a:srgbClr val="89CE01"/>
+                </a:solidFill>
+                <a:latin typeface="Adobe 繁黑體 Std B" panose="020B0700000000000000" pitchFamily="34" charset="-120"/>
+                <a:ea typeface="Adobe 繁黑體 Std B" panose="020B0700000000000000" pitchFamily="34" charset="-120"/>
+              </a:rPr>
+              <a:t> </a:t>
+            </a:r>
+            <a:r>
+              <a:rPr lang="zh-TW" altLang="en-US" sz="3200" dirty="0">
+                <a:solidFill>
+                  <a:srgbClr val="89CE01"/>
+                </a:solidFill>
+                <a:latin typeface="Adobe 繁黑體 Std B" panose="020B0700000000000000" pitchFamily="34" charset="-120"/>
+                <a:ea typeface="Adobe 繁黑體 Std B" panose="020B0700000000000000" pitchFamily="34" charset="-120"/>
+              </a:rPr>
+              <a:t> </a:t>
+            </a:r>
+            <a:endParaRPr lang="zh-TW" altLang="en-US" sz="3200" dirty="0">
+              <a:solidFill>
+                <a:srgbClr val="89CE01"/>
+              </a:solidFill>
+              <a:latin typeface="Adobe 繁黑體 Std B" panose="020B0700000000000000" pitchFamily="34" charset="-120"/>
+              <a:ea typeface="Adobe 繁黑體 Std B" panose="020B0700000000000000" pitchFamily="34" charset="-120"/>
+            </a:endParaRPr>
+          </a:p>
+        </p:txBody>
+      </p:sp>
+    </p:spTree>
+    <p:extLst>
+      <p:ext uri="{BB962C8B-B14F-4D97-AF65-F5344CB8AC3E}">
+        <p14:creationId xmlns:p14="http://schemas.microsoft.com/office/powerpoint/2010/main" val="1835752317"/>
+      </p:ext>
+    </p:extLst>
+  </p:cSld>
+  <p:clrMapOvr>
+    <a:masterClrMapping/>
+  </p:clrMapOvr>
+</p:sld>
+</file>
+
+<file path=ppt/slides/slide45.xml><?xml version="1.0" encoding="utf-8"?>
+<p:sld xmlns:a="http://schemas.openxmlformats.org/drawingml/2006/main" xmlns:r="http://schemas.openxmlformats.org/officeDocument/2006/relationships" xmlns:p="http://schemas.openxmlformats.org/presentationml/2006/main">
+  <p:cSld>
+    <p:spTree>
+      <p:nvGrpSpPr>
+        <p:cNvPr id="1" name=""/>
+        <p:cNvGrpSpPr/>
+        <p:nvPr/>
+      </p:nvGrpSpPr>
+      <p:grpSpPr>
+        <a:xfrm>
+          <a:off x="0" y="0"/>
+          <a:ext cx="0" cy="0"/>
+          <a:chOff x="0" y="0"/>
+          <a:chExt cx="0" cy="0"/>
+        </a:xfrm>
+      </p:grpSpPr>
+      <p:sp>
+        <p:nvSpPr>
+          <p:cNvPr id="4" name="標題 1"/>
+          <p:cNvSpPr>
+            <a:spLocks noGrp="1"/>
+          </p:cNvSpPr>
+          <p:nvPr>
+            <p:ph type="title"/>
+          </p:nvPr>
+        </p:nvSpPr>
+        <p:spPr>
+          <a:xfrm>
+            <a:off x="2618448" y="3464375"/>
+            <a:ext cx="7512780" cy="589735"/>
+          </a:xfrm>
+        </p:spPr>
+        <p:txBody>
+          <a:bodyPr>
+            <a:normAutofit/>
+          </a:bodyPr>
+          <a:lstStyle/>
+          <a:p>
+            <a:r>
+              <a:rPr lang="zh-TW" altLang="en-US" sz="2400" dirty="0" smtClean="0">
+                <a:solidFill>
+                  <a:srgbClr val="89CE01"/>
+                </a:solidFill>
+                <a:latin typeface="Adobe 繁黑體 Std B" panose="020B0700000000000000" pitchFamily="34" charset="-120"/>
+                <a:ea typeface="Adobe 繁黑體 Std B" panose="020B0700000000000000" pitchFamily="34" charset="-120"/>
+              </a:rPr>
+              <a:t>別瞎猜，請設計師提供範例參考或是視覺 </a:t>
+            </a:r>
+            <a:r>
+              <a:rPr lang="en-US" altLang="zh-TW" sz="2400" dirty="0" smtClean="0">
+                <a:solidFill>
+                  <a:srgbClr val="89CE01"/>
+                </a:solidFill>
+                <a:latin typeface="Adobe 繁黑體 Std B" panose="020B0700000000000000" pitchFamily="34" charset="-120"/>
+                <a:ea typeface="Adobe 繁黑體 Std B" panose="020B0700000000000000" pitchFamily="34" charset="-120"/>
+              </a:rPr>
+              <a:t>demo</a:t>
+            </a:r>
+            <a:endParaRPr lang="zh-TW" altLang="en-US" sz="2400" dirty="0">
+              <a:solidFill>
+                <a:srgbClr val="89CE01"/>
+              </a:solidFill>
+              <a:latin typeface="Adobe 繁黑體 Std B" panose="020B0700000000000000" pitchFamily="34" charset="-120"/>
+              <a:ea typeface="Adobe 繁黑體 Std B" panose="020B0700000000000000" pitchFamily="34" charset="-120"/>
+            </a:endParaRPr>
+          </a:p>
+        </p:txBody>
+      </p:sp>
+    </p:spTree>
+    <p:extLst>
+      <p:ext uri="{BB962C8B-B14F-4D97-AF65-F5344CB8AC3E}">
+        <p14:creationId xmlns:p14="http://schemas.microsoft.com/office/powerpoint/2010/main" val="1470325198"/>
+      </p:ext>
+    </p:extLst>
+  </p:cSld>
+  <p:clrMapOvr>
+    <a:masterClrMapping/>
+  </p:clrMapOvr>
+</p:sld>
+</file>
+
+<file path=ppt/slides/slide46.xml><?xml version="1.0" encoding="utf-8"?>
+<p:sld xmlns:a="http://schemas.openxmlformats.org/drawingml/2006/main" xmlns:r="http://schemas.openxmlformats.org/officeDocument/2006/relationships" xmlns:p="http://schemas.openxmlformats.org/presentationml/2006/main">
+  <p:cSld>
+    <p:spTree>
+      <p:nvGrpSpPr>
+        <p:cNvPr id="1" name=""/>
+        <p:cNvGrpSpPr/>
+        <p:nvPr/>
+      </p:nvGrpSpPr>
+      <p:grpSpPr>
+        <a:xfrm>
+          <a:off x="0" y="0"/>
+          <a:ext cx="0" cy="0"/>
+          <a:chOff x="0" y="0"/>
+          <a:chExt cx="0" cy="0"/>
+        </a:xfrm>
+      </p:grpSpPr>
+      <p:sp>
+        <p:nvSpPr>
+          <p:cNvPr id="4" name="標題 1"/>
+          <p:cNvSpPr>
+            <a:spLocks noGrp="1"/>
+          </p:cNvSpPr>
+          <p:nvPr>
+            <p:ph type="title"/>
+          </p:nvPr>
+        </p:nvSpPr>
+        <p:spPr>
+          <a:xfrm>
+            <a:off x="2772197" y="3561479"/>
+            <a:ext cx="6582196" cy="589735"/>
+          </a:xfrm>
+        </p:spPr>
+        <p:txBody>
+          <a:bodyPr>
+            <a:noAutofit/>
+          </a:bodyPr>
+          <a:lstStyle/>
+          <a:p>
+            <a:r>
+              <a:rPr lang="zh-TW" altLang="en-US" sz="3200" dirty="0" smtClean="0">
+                <a:solidFill>
+                  <a:srgbClr val="89CE01"/>
+                </a:solidFill>
+                <a:latin typeface="Adobe 繁黑體 Std B" panose="020B0700000000000000" pitchFamily="34" charset="-120"/>
+                <a:ea typeface="Adobe 繁黑體 Std B" panose="020B0700000000000000" pitchFamily="34" charset="-120"/>
+              </a:rPr>
+              <a:t>元件素材無法處理，退件重新出圖</a:t>
+            </a:r>
+            <a:endParaRPr lang="zh-TW" altLang="en-US" sz="3200" dirty="0">
+              <a:solidFill>
+                <a:srgbClr val="89CE01"/>
+              </a:solidFill>
+              <a:latin typeface="Adobe 繁黑體 Std B" panose="020B0700000000000000" pitchFamily="34" charset="-120"/>
+              <a:ea typeface="Adobe 繁黑體 Std B" panose="020B0700000000000000" pitchFamily="34" charset="-120"/>
+            </a:endParaRPr>
+          </a:p>
+        </p:txBody>
+      </p:sp>
+    </p:spTree>
+    <p:extLst>
+      <p:ext uri="{BB962C8B-B14F-4D97-AF65-F5344CB8AC3E}">
+        <p14:creationId xmlns:p14="http://schemas.microsoft.com/office/powerpoint/2010/main" val="1970353725"/>
+      </p:ext>
+    </p:extLst>
+  </p:cSld>
+  <p:clrMapOvr>
+    <a:masterClrMapping/>
+  </p:clrMapOvr>
+</p:sld>
+</file>
+
+<file path=ppt/slides/slide47.xml><?xml version="1.0" encoding="utf-8"?>
+<p:sld xmlns:a="http://schemas.openxmlformats.org/drawingml/2006/main" xmlns:r="http://schemas.openxmlformats.org/officeDocument/2006/relationships" xmlns:p="http://schemas.openxmlformats.org/presentationml/2006/main">
+  <p:cSld>
+    <p:spTree>
+      <p:nvGrpSpPr>
+        <p:cNvPr id="1" name=""/>
+        <p:cNvGrpSpPr/>
+        <p:nvPr/>
+      </p:nvGrpSpPr>
+      <p:grpSpPr>
+        <a:xfrm>
+          <a:off x="0" y="0"/>
+          <a:ext cx="0" cy="0"/>
+          <a:chOff x="0" y="0"/>
+          <a:chExt cx="0" cy="0"/>
+        </a:xfrm>
+      </p:grpSpPr>
+      <p:sp>
+        <p:nvSpPr>
+          <p:cNvPr id="4" name="標題 1"/>
+          <p:cNvSpPr>
+            <a:spLocks noGrp="1"/>
+          </p:cNvSpPr>
+          <p:nvPr>
+            <p:ph type="title"/>
+          </p:nvPr>
+        </p:nvSpPr>
+        <p:spPr>
+          <a:xfrm>
+            <a:off x="4139750" y="3448190"/>
+            <a:ext cx="3296829" cy="589735"/>
+          </a:xfrm>
+        </p:spPr>
+        <p:txBody>
+          <a:bodyPr>
+            <a:noAutofit/>
+          </a:bodyPr>
+          <a:lstStyle/>
+          <a:p>
+            <a:r>
+              <a:rPr lang="zh-TW" altLang="en-US" sz="3600" dirty="0" smtClean="0">
+                <a:solidFill>
+                  <a:srgbClr val="89CE01"/>
+                </a:solidFill>
+                <a:latin typeface="Adobe 繁黑體 Std B" panose="020B0700000000000000" pitchFamily="34" charset="-120"/>
+                <a:ea typeface="Adobe 繁黑體 Std B" panose="020B0700000000000000" pitchFamily="34" charset="-120"/>
+              </a:rPr>
+              <a:t>如何討價還價</a:t>
+            </a:r>
+            <a:r>
+              <a:rPr lang="en-US" altLang="zh-TW" sz="3600" dirty="0" smtClean="0">
+                <a:solidFill>
+                  <a:srgbClr val="89CE01"/>
+                </a:solidFill>
+                <a:latin typeface="Adobe 繁黑體 Std B" panose="020B0700000000000000" pitchFamily="34" charset="-120"/>
+                <a:ea typeface="Adobe 繁黑體 Std B" panose="020B0700000000000000" pitchFamily="34" charset="-120"/>
+              </a:rPr>
+              <a:t>?</a:t>
+            </a:r>
+            <a:endParaRPr lang="zh-TW" altLang="en-US" sz="3600" dirty="0">
+              <a:solidFill>
+                <a:srgbClr val="89CE01"/>
+              </a:solidFill>
+              <a:latin typeface="Adobe 繁黑體 Std B" panose="020B0700000000000000" pitchFamily="34" charset="-120"/>
+              <a:ea typeface="Adobe 繁黑體 Std B" panose="020B0700000000000000" pitchFamily="34" charset="-120"/>
+            </a:endParaRPr>
+          </a:p>
+        </p:txBody>
+      </p:sp>
+    </p:spTree>
+    <p:extLst>
+      <p:ext uri="{BB962C8B-B14F-4D97-AF65-F5344CB8AC3E}">
+        <p14:creationId xmlns:p14="http://schemas.microsoft.com/office/powerpoint/2010/main" val="2356694944"/>
+      </p:ext>
+    </p:extLst>
+  </p:cSld>
+  <p:clrMapOvr>
+    <a:masterClrMapping/>
+  </p:clrMapOvr>
+</p:sld>
+</file>
+
+<file path=ppt/slides/slide48.xml><?xml version="1.0" encoding="utf-8"?>
+<p:sld xmlns:a="http://schemas.openxmlformats.org/drawingml/2006/main" xmlns:r="http://schemas.openxmlformats.org/officeDocument/2006/relationships" xmlns:p="http://schemas.openxmlformats.org/presentationml/2006/main">
+  <p:cSld>
+    <p:spTree>
+      <p:nvGrpSpPr>
+        <p:cNvPr id="1" name=""/>
+        <p:cNvGrpSpPr/>
+        <p:nvPr/>
+      </p:nvGrpSpPr>
+      <p:grpSpPr>
+        <a:xfrm>
+          <a:off x="0" y="0"/>
+          <a:ext cx="0" cy="0"/>
+          <a:chOff x="0" y="0"/>
+          <a:chExt cx="0" cy="0"/>
+        </a:xfrm>
+      </p:grpSpPr>
+      <p:sp>
+        <p:nvSpPr>
+          <p:cNvPr id="4" name="標題 1"/>
+          <p:cNvSpPr>
+            <a:spLocks noGrp="1"/>
+          </p:cNvSpPr>
+          <p:nvPr>
+            <p:ph type="title"/>
+          </p:nvPr>
+        </p:nvSpPr>
+        <p:spPr>
+          <a:xfrm>
+            <a:off x="3306270" y="3278257"/>
+            <a:ext cx="5999570" cy="589735"/>
+          </a:xfrm>
+        </p:spPr>
+        <p:txBody>
+          <a:bodyPr>
+            <a:noAutofit/>
+          </a:bodyPr>
+          <a:lstStyle/>
+          <a:p>
+            <a:r>
+              <a:rPr lang="zh-TW" altLang="en-US" sz="3600" dirty="0" smtClean="0">
+                <a:solidFill>
+                  <a:srgbClr val="89CE01"/>
+                </a:solidFill>
+                <a:latin typeface="Adobe 繁黑體 Std B" panose="020B0700000000000000" pitchFamily="34" charset="-120"/>
+                <a:ea typeface="Adobe 繁黑體 Std B" panose="020B0700000000000000" pitchFamily="34" charset="-120"/>
+              </a:rPr>
+              <a:t>詢問評估別一開始就說</a:t>
+            </a:r>
+            <a:r>
+              <a:rPr lang="en-US" altLang="zh-TW" sz="3600" dirty="0" smtClean="0">
+                <a:solidFill>
+                  <a:srgbClr val="89CE01"/>
+                </a:solidFill>
+                <a:latin typeface="Adobe 繁黑體 Std B" panose="020B0700000000000000" pitchFamily="34" charset="-120"/>
+                <a:ea typeface="Adobe 繁黑體 Std B" panose="020B0700000000000000" pitchFamily="34" charset="-120"/>
+              </a:rPr>
+              <a:t>NO!</a:t>
+            </a:r>
+            <a:endParaRPr lang="zh-TW" altLang="en-US" sz="3600" dirty="0">
+              <a:solidFill>
+                <a:srgbClr val="89CE01"/>
+              </a:solidFill>
+              <a:latin typeface="Adobe 繁黑體 Std B" panose="020B0700000000000000" pitchFamily="34" charset="-120"/>
+              <a:ea typeface="Adobe 繁黑體 Std B" panose="020B0700000000000000" pitchFamily="34" charset="-120"/>
+            </a:endParaRPr>
+          </a:p>
+        </p:txBody>
+      </p:sp>
+      <p:sp>
+        <p:nvSpPr>
+          <p:cNvPr id="3" name="標題 1"/>
+          <p:cNvSpPr txBox="1">
+            <a:spLocks/>
+          </p:cNvSpPr>
+          <p:nvPr/>
+        </p:nvSpPr>
+        <p:spPr>
+          <a:xfrm>
+            <a:off x="2893575" y="3867992"/>
+            <a:ext cx="6695486" cy="589735"/>
+          </a:xfrm>
+          <a:prstGeom prst="rect">
+            <a:avLst/>
+          </a:prstGeom>
+        </p:spPr>
+        <p:txBody>
+          <a:bodyPr vert="horz" lIns="91440" tIns="45720" rIns="91440" bIns="45720" rtlCol="0" anchor="ctr">
+            <a:noAutofit/>
+          </a:bodyPr>
+          <a:lstStyle>
+            <a:lvl1pPr algn="l" defTabSz="914400" rtl="0" eaLnBrk="1" latinLnBrk="0" hangingPunct="1">
+              <a:lnSpc>
+                <a:spcPct val="90000"/>
+              </a:lnSpc>
+              <a:spcBef>
+                <a:spcPct val="0"/>
+              </a:spcBef>
+              <a:buNone/>
+              <a:defRPr sz="4400" kern="1200">
+                <a:solidFill>
+                  <a:schemeClr val="tx1"/>
+                </a:solidFill>
+                <a:latin typeface="+mj-lt"/>
+                <a:ea typeface="+mj-ea"/>
+                <a:cs typeface="+mj-cs"/>
+              </a:defRPr>
+            </a:lvl1pPr>
+          </a:lstStyle>
+          <a:p>
+            <a:r>
+              <a:rPr lang="zh-TW" altLang="en-US" sz="2400" dirty="0" smtClean="0">
+                <a:solidFill>
+                  <a:srgbClr val="89CE01"/>
+                </a:solidFill>
+                <a:latin typeface="Adobe 繁黑體 Std B" panose="020B0700000000000000" pitchFamily="34" charset="-120"/>
+                <a:ea typeface="Adobe 繁黑體 Std B" panose="020B0700000000000000" pitchFamily="34" charset="-120"/>
+              </a:rPr>
+              <a:t>不然你只會錯過進步的機會跟讓人覺得你不專業</a:t>
+            </a:r>
+            <a:endParaRPr lang="zh-TW" altLang="en-US" sz="2400" dirty="0">
+              <a:solidFill>
+                <a:srgbClr val="89CE01"/>
+              </a:solidFill>
+              <a:latin typeface="Adobe 繁黑體 Std B" panose="020B0700000000000000" pitchFamily="34" charset="-120"/>
+              <a:ea typeface="Adobe 繁黑體 Std B" panose="020B0700000000000000" pitchFamily="34" charset="-120"/>
+            </a:endParaRPr>
+          </a:p>
+        </p:txBody>
+      </p:sp>
+    </p:spTree>
+    <p:extLst>
+      <p:ext uri="{BB962C8B-B14F-4D97-AF65-F5344CB8AC3E}">
+        <p14:creationId xmlns:p14="http://schemas.microsoft.com/office/powerpoint/2010/main" val="3653158968"/>
+      </p:ext>
+    </p:extLst>
+  </p:cSld>
+  <p:clrMapOvr>
+    <a:masterClrMapping/>
+  </p:clrMapOvr>
+</p:sld>
+</file>
+
+<file path=ppt/slides/slide49.xml><?xml version="1.0" encoding="utf-8"?>
+<p:sld xmlns:a="http://schemas.openxmlformats.org/drawingml/2006/main" xmlns:r="http://schemas.openxmlformats.org/officeDocument/2006/relationships" xmlns:p="http://schemas.openxmlformats.org/presentationml/2006/main">
+  <p:cSld>
+    <p:spTree>
+      <p:nvGrpSpPr>
+        <p:cNvPr id="1" name=""/>
+        <p:cNvGrpSpPr/>
+        <p:nvPr/>
+      </p:nvGrpSpPr>
+      <p:grpSpPr>
+        <a:xfrm>
+          <a:off x="0" y="0"/>
+          <a:ext cx="0" cy="0"/>
+          <a:chOff x="0" y="0"/>
+          <a:chExt cx="0" cy="0"/>
+        </a:xfrm>
+      </p:grpSpPr>
+      <p:sp>
+        <p:nvSpPr>
+          <p:cNvPr id="3" name="標題 1"/>
+          <p:cNvSpPr txBox="1">
+            <a:spLocks/>
+          </p:cNvSpPr>
+          <p:nvPr/>
+        </p:nvSpPr>
+        <p:spPr>
+          <a:xfrm>
+            <a:off x="2221935" y="3495758"/>
+            <a:ext cx="8168237" cy="589735"/>
+          </a:xfrm>
+          <a:prstGeom prst="rect">
+            <a:avLst/>
+          </a:prstGeom>
+        </p:spPr>
+        <p:txBody>
+          <a:bodyPr vert="horz" lIns="91440" tIns="45720" rIns="91440" bIns="45720" rtlCol="0" anchor="ctr">
+            <a:noAutofit/>
+          </a:bodyPr>
+          <a:lstStyle>
+            <a:lvl1pPr algn="l" defTabSz="914400" rtl="0" eaLnBrk="1" latinLnBrk="0" hangingPunct="1">
+              <a:lnSpc>
+                <a:spcPct val="90000"/>
+              </a:lnSpc>
+              <a:spcBef>
+                <a:spcPct val="0"/>
+              </a:spcBef>
+              <a:buNone/>
+              <a:defRPr sz="4400" kern="1200">
+                <a:solidFill>
+                  <a:schemeClr val="tx1"/>
+                </a:solidFill>
+                <a:latin typeface="+mj-lt"/>
+                <a:ea typeface="+mj-ea"/>
+                <a:cs typeface="+mj-cs"/>
+              </a:defRPr>
+            </a:lvl1pPr>
+          </a:lstStyle>
+          <a:p>
+            <a:r>
+              <a:rPr lang="zh-TW" altLang="en-US" sz="2400" dirty="0">
+                <a:solidFill>
+                  <a:srgbClr val="89CE01"/>
+                </a:solidFill>
+                <a:latin typeface="Adobe 繁黑體 Std B" panose="020B0700000000000000" pitchFamily="34" charset="-120"/>
+                <a:ea typeface="Adobe 繁黑體 Std B" panose="020B0700000000000000" pitchFamily="34" charset="-120"/>
+              </a:rPr>
+              <a:t>把頁面製作的跟設計稿一樣是對設計師跟自己專業的尊重</a:t>
+            </a:r>
+            <a:endParaRPr lang="zh-TW" altLang="en-US" sz="2400" dirty="0">
+              <a:solidFill>
+                <a:srgbClr val="89CE01"/>
+              </a:solidFill>
+              <a:latin typeface="Adobe 繁黑體 Std B" panose="020B0700000000000000" pitchFamily="34" charset="-120"/>
+              <a:ea typeface="Adobe 繁黑體 Std B" panose="020B0700000000000000" pitchFamily="34" charset="-120"/>
+            </a:endParaRPr>
+          </a:p>
+        </p:txBody>
+      </p:sp>
+    </p:spTree>
+    <p:extLst>
+      <p:ext uri="{BB962C8B-B14F-4D97-AF65-F5344CB8AC3E}">
+        <p14:creationId xmlns:p14="http://schemas.microsoft.com/office/powerpoint/2010/main" val="1402952703"/>
+      </p:ext>
+    </p:extLst>
+  </p:cSld>
+  <p:clrMapOvr>
+    <a:masterClrMapping/>
+  </p:clrMapOvr>
+</p:sld>
+</file>
+
 <file path=ppt/slides/slide5.xml><?xml version="1.0" encoding="utf-8"?>
 <p:sld xmlns:a="http://schemas.openxmlformats.org/drawingml/2006/main" xmlns:r="http://schemas.openxmlformats.org/officeDocument/2006/relationships" xmlns:p="http://schemas.openxmlformats.org/presentationml/2006/main">
   <p:cSld>
@@ -20185,6 +21151,912 @@
     <p:extLst>
       <p:ext uri="{BB962C8B-B14F-4D97-AF65-F5344CB8AC3E}">
         <p14:creationId xmlns:p14="http://schemas.microsoft.com/office/powerpoint/2010/main" val="3038228539"/>
+      </p:ext>
+    </p:extLst>
+  </p:cSld>
+  <p:clrMapOvr>
+    <a:masterClrMapping/>
+  </p:clrMapOvr>
+</p:sld>
+</file>
+
+<file path=ppt/slides/slide50.xml><?xml version="1.0" encoding="utf-8"?>
+<p:sld xmlns:a="http://schemas.openxmlformats.org/drawingml/2006/main" xmlns:r="http://schemas.openxmlformats.org/officeDocument/2006/relationships" xmlns:p="http://schemas.openxmlformats.org/presentationml/2006/main">
+  <p:cSld>
+    <p:spTree>
+      <p:nvGrpSpPr>
+        <p:cNvPr id="1" name=""/>
+        <p:cNvGrpSpPr/>
+        <p:nvPr/>
+      </p:nvGrpSpPr>
+      <p:grpSpPr>
+        <a:xfrm>
+          <a:off x="0" y="0"/>
+          <a:ext cx="0" cy="0"/>
+          <a:chOff x="0" y="0"/>
+          <a:chExt cx="0" cy="0"/>
+        </a:xfrm>
+      </p:grpSpPr>
+      <p:sp>
+        <p:nvSpPr>
+          <p:cNvPr id="4" name="標題 1"/>
+          <p:cNvSpPr>
+            <a:spLocks noGrp="1"/>
+          </p:cNvSpPr>
+          <p:nvPr>
+            <p:ph type="title"/>
+          </p:nvPr>
+        </p:nvSpPr>
+        <p:spPr>
+          <a:xfrm>
+            <a:off x="4361606" y="3084048"/>
+            <a:ext cx="3544313" cy="1188546"/>
+          </a:xfrm>
+        </p:spPr>
+        <p:txBody>
+          <a:bodyPr>
+            <a:noAutofit/>
+          </a:bodyPr>
+          <a:lstStyle/>
+          <a:p>
+            <a:r>
+              <a:rPr lang="en-US" altLang="zh-TW" sz="3200" dirty="0" smtClean="0">
+                <a:solidFill>
+                  <a:srgbClr val="89CE01"/>
+                </a:solidFill>
+                <a:latin typeface="Adobe 繁黑體 Std B" panose="020B0700000000000000" pitchFamily="34" charset="-120"/>
+                <a:ea typeface="Adobe 繁黑體 Std B" panose="020B0700000000000000" pitchFamily="34" charset="-120"/>
+              </a:rPr>
+              <a:t>&lt;</a:t>
+            </a:r>
+            <a:r>
+              <a:rPr lang="zh-TW" altLang="en-US" sz="3200" dirty="0" smtClean="0">
+                <a:solidFill>
+                  <a:srgbClr val="89CE01"/>
+                </a:solidFill>
+                <a:latin typeface="Adobe 繁黑體 Std B" panose="020B0700000000000000" pitchFamily="34" charset="-120"/>
+                <a:ea typeface="Adobe 繁黑體 Std B" panose="020B0700000000000000" pitchFamily="34" charset="-120"/>
+              </a:rPr>
+              <a:t> 課堂總結 </a:t>
+            </a:r>
+            <a:r>
+              <a:rPr lang="en-US" altLang="zh-TW" sz="3200" dirty="0" smtClean="0">
+                <a:solidFill>
+                  <a:srgbClr val="89CE01"/>
+                </a:solidFill>
+                <a:latin typeface="Adobe 繁黑體 Std B" panose="020B0700000000000000" pitchFamily="34" charset="-120"/>
+                <a:ea typeface="Adobe 繁黑體 Std B" panose="020B0700000000000000" pitchFamily="34" charset="-120"/>
+              </a:rPr>
+              <a:t>/&gt;</a:t>
+            </a:r>
+            <a:r>
+              <a:rPr lang="zh-TW" altLang="en-US" sz="3200" dirty="0">
+                <a:solidFill>
+                  <a:srgbClr val="89CE01"/>
+                </a:solidFill>
+                <a:latin typeface="Adobe 繁黑體 Std B" panose="020B0700000000000000" pitchFamily="34" charset="-120"/>
+                <a:ea typeface="Adobe 繁黑體 Std B" panose="020B0700000000000000" pitchFamily="34" charset="-120"/>
+              </a:rPr>
+              <a:t> </a:t>
+            </a:r>
+            <a:endParaRPr lang="zh-TW" altLang="en-US" sz="3200" dirty="0">
+              <a:solidFill>
+                <a:srgbClr val="89CE01"/>
+              </a:solidFill>
+              <a:latin typeface="Adobe 繁黑體 Std B" panose="020B0700000000000000" pitchFamily="34" charset="-120"/>
+              <a:ea typeface="Adobe 繁黑體 Std B" panose="020B0700000000000000" pitchFamily="34" charset="-120"/>
+            </a:endParaRPr>
+          </a:p>
+        </p:txBody>
+      </p:sp>
+      <p:sp>
+        <p:nvSpPr>
+          <p:cNvPr id="8" name="AutoShape 6" descr="https://www.yottau.com.tw/dist/image/icon/chapter-preview.svg"/>
+          <p:cNvSpPr>
+            <a:spLocks noChangeAspect="1" noChangeArrowheads="1"/>
+          </p:cNvSpPr>
+          <p:nvPr/>
+        </p:nvSpPr>
+        <p:spPr bwMode="auto">
+          <a:xfrm>
+            <a:off x="3073400" y="-90488"/>
+            <a:ext cx="304800" cy="304801"/>
+          </a:xfrm>
+          <a:prstGeom prst="rect">
+            <a:avLst/>
+          </a:prstGeom>
+          <a:noFill/>
+          <a:extLst>
+            <a:ext uri="{909E8E84-426E-40DD-AFC4-6F175D3DCCD1}">
+              <a14:hiddenFill xmlns:a14="http://schemas.microsoft.com/office/drawing/2010/main">
+                <a:solidFill>
+                  <a:srgbClr val="FFFFFF"/>
+                </a:solidFill>
+              </a14:hiddenFill>
+            </a:ext>
+          </a:extLst>
+        </p:spPr>
+        <p:txBody>
+          <a:bodyPr vert="horz" wrap="square" lIns="91440" tIns="45720" rIns="91440" bIns="45720" numCol="1" anchor="t" anchorCtr="0" compatLnSpc="1">
+            <a:prstTxWarp prst="textNoShape">
+              <a:avLst/>
+            </a:prstTxWarp>
+          </a:bodyPr>
+          <a:lstStyle/>
+          <a:p>
+            <a:endParaRPr lang="zh-TW" altLang="en-US"/>
+          </a:p>
+        </p:txBody>
+      </p:sp>
+    </p:spTree>
+    <p:extLst>
+      <p:ext uri="{BB962C8B-B14F-4D97-AF65-F5344CB8AC3E}">
+        <p14:creationId xmlns:p14="http://schemas.microsoft.com/office/powerpoint/2010/main" val="2589692338"/>
+      </p:ext>
+    </p:extLst>
+  </p:cSld>
+  <p:clrMapOvr>
+    <a:masterClrMapping/>
+  </p:clrMapOvr>
+</p:sld>
+</file>
+
+<file path=ppt/slides/slide51.xml><?xml version="1.0" encoding="utf-8"?>
+<p:sld xmlns:a="http://schemas.openxmlformats.org/drawingml/2006/main" xmlns:r="http://schemas.openxmlformats.org/officeDocument/2006/relationships" xmlns:p="http://schemas.openxmlformats.org/presentationml/2006/main">
+  <p:cSld>
+    <p:spTree>
+      <p:nvGrpSpPr>
+        <p:cNvPr id="1" name=""/>
+        <p:cNvGrpSpPr/>
+        <p:nvPr/>
+      </p:nvGrpSpPr>
+      <p:grpSpPr>
+        <a:xfrm>
+          <a:off x="0" y="0"/>
+          <a:ext cx="0" cy="0"/>
+          <a:chOff x="0" y="0"/>
+          <a:chExt cx="0" cy="0"/>
+        </a:xfrm>
+      </p:grpSpPr>
+      <p:sp>
+        <p:nvSpPr>
+          <p:cNvPr id="4" name="標題 1"/>
+          <p:cNvSpPr>
+            <a:spLocks noGrp="1"/>
+          </p:cNvSpPr>
+          <p:nvPr>
+            <p:ph type="title"/>
+          </p:nvPr>
+        </p:nvSpPr>
+        <p:spPr>
+          <a:xfrm>
+            <a:off x="2597543" y="3173060"/>
+            <a:ext cx="7087051" cy="1115719"/>
+          </a:xfrm>
+        </p:spPr>
+        <p:txBody>
+          <a:bodyPr>
+            <a:noAutofit/>
+          </a:bodyPr>
+          <a:lstStyle/>
+          <a:p>
+            <a:pPr>
+              <a:lnSpc>
+                <a:spcPct val="150000"/>
+              </a:lnSpc>
+            </a:pPr>
+            <a:r>
+              <a:rPr lang="en-US" altLang="zh-TW" sz="3200" dirty="0" err="1" smtClean="0">
+                <a:solidFill>
+                  <a:srgbClr val="89CE01"/>
+                </a:solidFill>
+                <a:latin typeface="Adobe 繁黑體 Std B" panose="020B0700000000000000" pitchFamily="34" charset="-120"/>
+                <a:ea typeface="Adobe 繁黑體 Std B" panose="020B0700000000000000" pitchFamily="34" charset="-120"/>
+              </a:rPr>
+              <a:t>TweenMax</a:t>
+            </a:r>
+            <a:r>
+              <a:rPr lang="zh-TW" altLang="en-US" sz="3200" dirty="0" smtClean="0">
+                <a:solidFill>
+                  <a:srgbClr val="89CE01"/>
+                </a:solidFill>
+                <a:latin typeface="Adobe 繁黑體 Std B" panose="020B0700000000000000" pitchFamily="34" charset="-120"/>
+                <a:ea typeface="Adobe 繁黑體 Std B" panose="020B0700000000000000" pitchFamily="34" charset="-120"/>
+              </a:rPr>
+              <a:t>不是唯一的動畫解決方案</a:t>
+            </a:r>
+            <a:endParaRPr lang="zh-TW" altLang="en-US" sz="3200" dirty="0">
+              <a:solidFill>
+                <a:srgbClr val="89CE01"/>
+              </a:solidFill>
+              <a:latin typeface="Adobe 繁黑體 Std B" panose="020B0700000000000000" pitchFamily="34" charset="-120"/>
+              <a:ea typeface="Adobe 繁黑體 Std B" panose="020B0700000000000000" pitchFamily="34" charset="-120"/>
+            </a:endParaRPr>
+          </a:p>
+        </p:txBody>
+      </p:sp>
+      <p:sp>
+        <p:nvSpPr>
+          <p:cNvPr id="8" name="AutoShape 6" descr="https://www.yottau.com.tw/dist/image/icon/chapter-preview.svg"/>
+          <p:cNvSpPr>
+            <a:spLocks noChangeAspect="1" noChangeArrowheads="1"/>
+          </p:cNvSpPr>
+          <p:nvPr/>
+        </p:nvSpPr>
+        <p:spPr bwMode="auto">
+          <a:xfrm>
+            <a:off x="3073400" y="-90488"/>
+            <a:ext cx="304800" cy="304801"/>
+          </a:xfrm>
+          <a:prstGeom prst="rect">
+            <a:avLst/>
+          </a:prstGeom>
+          <a:noFill/>
+          <a:extLst>
+            <a:ext uri="{909E8E84-426E-40DD-AFC4-6F175D3DCCD1}">
+              <a14:hiddenFill xmlns:a14="http://schemas.microsoft.com/office/drawing/2010/main">
+                <a:solidFill>
+                  <a:srgbClr val="FFFFFF"/>
+                </a:solidFill>
+              </a14:hiddenFill>
+            </a:ext>
+          </a:extLst>
+        </p:spPr>
+        <p:txBody>
+          <a:bodyPr vert="horz" wrap="square" lIns="91440" tIns="45720" rIns="91440" bIns="45720" numCol="1" anchor="t" anchorCtr="0" compatLnSpc="1">
+            <a:prstTxWarp prst="textNoShape">
+              <a:avLst/>
+            </a:prstTxWarp>
+          </a:bodyPr>
+          <a:lstStyle/>
+          <a:p>
+            <a:endParaRPr lang="zh-TW" altLang="en-US"/>
+          </a:p>
+        </p:txBody>
+      </p:sp>
+    </p:spTree>
+    <p:extLst>
+      <p:ext uri="{BB962C8B-B14F-4D97-AF65-F5344CB8AC3E}">
+        <p14:creationId xmlns:p14="http://schemas.microsoft.com/office/powerpoint/2010/main" val="2465394715"/>
+      </p:ext>
+    </p:extLst>
+  </p:cSld>
+  <p:clrMapOvr>
+    <a:masterClrMapping/>
+  </p:clrMapOvr>
+</p:sld>
+</file>
+
+<file path=ppt/slides/slide52.xml><?xml version="1.0" encoding="utf-8"?>
+<p:sld xmlns:a="http://schemas.openxmlformats.org/drawingml/2006/main" xmlns:r="http://schemas.openxmlformats.org/officeDocument/2006/relationships" xmlns:p="http://schemas.openxmlformats.org/presentationml/2006/main">
+  <p:cSld>
+    <p:spTree>
+      <p:nvGrpSpPr>
+        <p:cNvPr id="1" name=""/>
+        <p:cNvGrpSpPr/>
+        <p:nvPr/>
+      </p:nvGrpSpPr>
+      <p:grpSpPr>
+        <a:xfrm>
+          <a:off x="0" y="0"/>
+          <a:ext cx="0" cy="0"/>
+          <a:chOff x="0" y="0"/>
+          <a:chExt cx="0" cy="0"/>
+        </a:xfrm>
+      </p:grpSpPr>
+      <p:sp>
+        <p:nvSpPr>
+          <p:cNvPr id="4" name="標題 1"/>
+          <p:cNvSpPr>
+            <a:spLocks noGrp="1"/>
+          </p:cNvSpPr>
+          <p:nvPr>
+            <p:ph type="title"/>
+          </p:nvPr>
+        </p:nvSpPr>
+        <p:spPr>
+          <a:xfrm>
+            <a:off x="2362873" y="3140692"/>
+            <a:ext cx="7087051" cy="1115719"/>
+          </a:xfrm>
+        </p:spPr>
+        <p:txBody>
+          <a:bodyPr>
+            <a:noAutofit/>
+          </a:bodyPr>
+          <a:lstStyle/>
+          <a:p>
+            <a:pPr algn="ctr">
+              <a:lnSpc>
+                <a:spcPct val="100000"/>
+              </a:lnSpc>
+            </a:pPr>
+            <a:r>
+              <a:rPr lang="zh-TW" altLang="en-US" sz="2800" dirty="0" smtClean="0">
+                <a:solidFill>
+                  <a:srgbClr val="89CE01"/>
+                </a:solidFill>
+                <a:latin typeface="Adobe 繁黑體 Std B" panose="020B0700000000000000" pitchFamily="34" charset="-120"/>
+                <a:ea typeface="Adobe 繁黑體 Std B" panose="020B0700000000000000" pitchFamily="34" charset="-120"/>
+              </a:rPr>
+              <a:t>師父領進門，修行在個人</a:t>
+            </a:r>
+            <a:endParaRPr lang="zh-TW" altLang="en-US" sz="2800" dirty="0">
+              <a:solidFill>
+                <a:srgbClr val="89CE01"/>
+              </a:solidFill>
+              <a:latin typeface="Adobe 繁黑體 Std B" panose="020B0700000000000000" pitchFamily="34" charset="-120"/>
+              <a:ea typeface="Adobe 繁黑體 Std B" panose="020B0700000000000000" pitchFamily="34" charset="-120"/>
+            </a:endParaRPr>
+          </a:p>
+        </p:txBody>
+      </p:sp>
+      <p:sp>
+        <p:nvSpPr>
+          <p:cNvPr id="8" name="AutoShape 6" descr="https://www.yottau.com.tw/dist/image/icon/chapter-preview.svg"/>
+          <p:cNvSpPr>
+            <a:spLocks noChangeAspect="1" noChangeArrowheads="1"/>
+          </p:cNvSpPr>
+          <p:nvPr/>
+        </p:nvSpPr>
+        <p:spPr bwMode="auto">
+          <a:xfrm>
+            <a:off x="3073400" y="-90488"/>
+            <a:ext cx="304800" cy="304801"/>
+          </a:xfrm>
+          <a:prstGeom prst="rect">
+            <a:avLst/>
+          </a:prstGeom>
+          <a:noFill/>
+          <a:extLst>
+            <a:ext uri="{909E8E84-426E-40DD-AFC4-6F175D3DCCD1}">
+              <a14:hiddenFill xmlns:a14="http://schemas.microsoft.com/office/drawing/2010/main">
+                <a:solidFill>
+                  <a:srgbClr val="FFFFFF"/>
+                </a:solidFill>
+              </a14:hiddenFill>
+            </a:ext>
+          </a:extLst>
+        </p:spPr>
+        <p:txBody>
+          <a:bodyPr vert="horz" wrap="square" lIns="91440" tIns="45720" rIns="91440" bIns="45720" numCol="1" anchor="t" anchorCtr="0" compatLnSpc="1">
+            <a:prstTxWarp prst="textNoShape">
+              <a:avLst/>
+            </a:prstTxWarp>
+          </a:bodyPr>
+          <a:lstStyle/>
+          <a:p>
+            <a:endParaRPr lang="zh-TW" altLang="en-US"/>
+          </a:p>
+        </p:txBody>
+      </p:sp>
+    </p:spTree>
+    <p:extLst>
+      <p:ext uri="{BB962C8B-B14F-4D97-AF65-F5344CB8AC3E}">
+        <p14:creationId xmlns:p14="http://schemas.microsoft.com/office/powerpoint/2010/main" val="743840289"/>
+      </p:ext>
+    </p:extLst>
+  </p:cSld>
+  <p:clrMapOvr>
+    <a:masterClrMapping/>
+  </p:clrMapOvr>
+</p:sld>
+</file>
+
+<file path=ppt/slides/slide53.xml><?xml version="1.0" encoding="utf-8"?>
+<p:sld xmlns:a="http://schemas.openxmlformats.org/drawingml/2006/main" xmlns:r="http://schemas.openxmlformats.org/officeDocument/2006/relationships" xmlns:p="http://schemas.openxmlformats.org/presentationml/2006/main">
+  <p:cSld>
+    <p:spTree>
+      <p:nvGrpSpPr>
+        <p:cNvPr id="1" name=""/>
+        <p:cNvGrpSpPr/>
+        <p:nvPr/>
+      </p:nvGrpSpPr>
+      <p:grpSpPr>
+        <a:xfrm>
+          <a:off x="0" y="0"/>
+          <a:ext cx="0" cy="0"/>
+          <a:chOff x="0" y="0"/>
+          <a:chExt cx="0" cy="0"/>
+        </a:xfrm>
+      </p:grpSpPr>
+      <p:sp>
+        <p:nvSpPr>
+          <p:cNvPr id="4" name="標題 1"/>
+          <p:cNvSpPr>
+            <a:spLocks noGrp="1"/>
+          </p:cNvSpPr>
+          <p:nvPr>
+            <p:ph type="title"/>
+          </p:nvPr>
+        </p:nvSpPr>
+        <p:spPr>
+          <a:xfrm>
+            <a:off x="3761223" y="3132600"/>
+            <a:ext cx="5899095" cy="1115719"/>
+          </a:xfrm>
+        </p:spPr>
+        <p:txBody>
+          <a:bodyPr>
+            <a:noAutofit/>
+          </a:bodyPr>
+          <a:lstStyle/>
+          <a:p>
+            <a:pPr>
+              <a:lnSpc>
+                <a:spcPct val="150000"/>
+              </a:lnSpc>
+            </a:pPr>
+            <a:r>
+              <a:rPr lang="zh-TW" altLang="en-US" sz="2800" dirty="0" smtClean="0">
+                <a:solidFill>
+                  <a:srgbClr val="89CE01"/>
+                </a:solidFill>
+                <a:latin typeface="Adobe 繁黑體 Std B" panose="020B0700000000000000" pitchFamily="34" charset="-120"/>
+                <a:ea typeface="Adobe 繁黑體 Std B" panose="020B0700000000000000" pitchFamily="34" charset="-120"/>
+              </a:rPr>
+              <a:t>請不要停止學習</a:t>
+            </a:r>
+            <a:r>
+              <a:rPr lang="en-US" altLang="zh-TW" sz="2800" dirty="0" smtClean="0">
+                <a:solidFill>
+                  <a:srgbClr val="89CE01"/>
+                </a:solidFill>
+                <a:latin typeface="Adobe 繁黑體 Std B" panose="020B0700000000000000" pitchFamily="34" charset="-120"/>
+                <a:ea typeface="Adobe 繁黑體 Std B" panose="020B0700000000000000" pitchFamily="34" charset="-120"/>
+              </a:rPr>
+              <a:t>!!!</a:t>
+            </a:r>
+            <a:br>
+              <a:rPr lang="en-US" altLang="zh-TW" sz="2800" dirty="0" smtClean="0">
+                <a:solidFill>
+                  <a:srgbClr val="89CE01"/>
+                </a:solidFill>
+                <a:latin typeface="Adobe 繁黑體 Std B" panose="020B0700000000000000" pitchFamily="34" charset="-120"/>
+                <a:ea typeface="Adobe 繁黑體 Std B" panose="020B0700000000000000" pitchFamily="34" charset="-120"/>
+              </a:rPr>
+            </a:br>
+            <a:r>
+              <a:rPr lang="zh-TW" altLang="en-US" sz="2800" dirty="0" smtClean="0">
+                <a:solidFill>
+                  <a:srgbClr val="89CE01"/>
+                </a:solidFill>
+                <a:latin typeface="Adobe 繁黑體 Std B" panose="020B0700000000000000" pitchFamily="34" charset="-120"/>
+                <a:ea typeface="Adobe 繁黑體 Std B" panose="020B0700000000000000" pitchFamily="34" charset="-120"/>
+              </a:rPr>
+              <a:t>技術的世界是沒有底線的</a:t>
+            </a:r>
+            <a:r>
+              <a:rPr lang="en-US" altLang="zh-TW" sz="2800" dirty="0" smtClean="0">
+                <a:solidFill>
+                  <a:srgbClr val="89CE01"/>
+                </a:solidFill>
+                <a:latin typeface="Adobe 繁黑體 Std B" panose="020B0700000000000000" pitchFamily="34" charset="-120"/>
+                <a:ea typeface="Adobe 繁黑體 Std B" panose="020B0700000000000000" pitchFamily="34" charset="-120"/>
+              </a:rPr>
+              <a:t>!!!</a:t>
+            </a:r>
+            <a:endParaRPr lang="zh-TW" altLang="en-US" sz="2800" dirty="0">
+              <a:solidFill>
+                <a:srgbClr val="89CE01"/>
+              </a:solidFill>
+              <a:latin typeface="Adobe 繁黑體 Std B" panose="020B0700000000000000" pitchFamily="34" charset="-120"/>
+              <a:ea typeface="Adobe 繁黑體 Std B" panose="020B0700000000000000" pitchFamily="34" charset="-120"/>
+            </a:endParaRPr>
+          </a:p>
+        </p:txBody>
+      </p:sp>
+      <p:sp>
+        <p:nvSpPr>
+          <p:cNvPr id="8" name="AutoShape 6" descr="https://www.yottau.com.tw/dist/image/icon/chapter-preview.svg"/>
+          <p:cNvSpPr>
+            <a:spLocks noChangeAspect="1" noChangeArrowheads="1"/>
+          </p:cNvSpPr>
+          <p:nvPr/>
+        </p:nvSpPr>
+        <p:spPr bwMode="auto">
+          <a:xfrm>
+            <a:off x="3073400" y="-90488"/>
+            <a:ext cx="304800" cy="304801"/>
+          </a:xfrm>
+          <a:prstGeom prst="rect">
+            <a:avLst/>
+          </a:prstGeom>
+          <a:noFill/>
+          <a:extLst>
+            <a:ext uri="{909E8E84-426E-40DD-AFC4-6F175D3DCCD1}">
+              <a14:hiddenFill xmlns:a14="http://schemas.microsoft.com/office/drawing/2010/main">
+                <a:solidFill>
+                  <a:srgbClr val="FFFFFF"/>
+                </a:solidFill>
+              </a14:hiddenFill>
+            </a:ext>
+          </a:extLst>
+        </p:spPr>
+        <p:txBody>
+          <a:bodyPr vert="horz" wrap="square" lIns="91440" tIns="45720" rIns="91440" bIns="45720" numCol="1" anchor="t" anchorCtr="0" compatLnSpc="1">
+            <a:prstTxWarp prst="textNoShape">
+              <a:avLst/>
+            </a:prstTxWarp>
+          </a:bodyPr>
+          <a:lstStyle/>
+          <a:p>
+            <a:endParaRPr lang="zh-TW" altLang="en-US"/>
+          </a:p>
+        </p:txBody>
+      </p:sp>
+    </p:spTree>
+    <p:extLst>
+      <p:ext uri="{BB962C8B-B14F-4D97-AF65-F5344CB8AC3E}">
+        <p14:creationId xmlns:p14="http://schemas.microsoft.com/office/powerpoint/2010/main" val="231578726"/>
+      </p:ext>
+    </p:extLst>
+  </p:cSld>
+  <p:clrMapOvr>
+    <a:masterClrMapping/>
+  </p:clrMapOvr>
+</p:sld>
+</file>
+
+<file path=ppt/slides/slide54.xml><?xml version="1.0" encoding="utf-8"?>
+<p:sld xmlns:a="http://schemas.openxmlformats.org/drawingml/2006/main" xmlns:r="http://schemas.openxmlformats.org/officeDocument/2006/relationships" xmlns:p="http://schemas.openxmlformats.org/presentationml/2006/main">
+  <p:cSld>
+    <p:spTree>
+      <p:nvGrpSpPr>
+        <p:cNvPr id="1" name=""/>
+        <p:cNvGrpSpPr/>
+        <p:nvPr/>
+      </p:nvGrpSpPr>
+      <p:grpSpPr>
+        <a:xfrm>
+          <a:off x="0" y="0"/>
+          <a:ext cx="0" cy="0"/>
+          <a:chOff x="0" y="0"/>
+          <a:chExt cx="0" cy="0"/>
+        </a:xfrm>
+      </p:grpSpPr>
+      <p:sp>
+        <p:nvSpPr>
+          <p:cNvPr id="8" name="AutoShape 6" descr="https://www.yottau.com.tw/dist/image/icon/chapter-preview.svg"/>
+          <p:cNvSpPr>
+            <a:spLocks noChangeAspect="1" noChangeArrowheads="1"/>
+          </p:cNvSpPr>
+          <p:nvPr/>
+        </p:nvSpPr>
+        <p:spPr bwMode="auto">
+          <a:xfrm>
+            <a:off x="3073400" y="-90488"/>
+            <a:ext cx="304800" cy="304801"/>
+          </a:xfrm>
+          <a:prstGeom prst="rect">
+            <a:avLst/>
+          </a:prstGeom>
+          <a:noFill/>
+          <a:extLst>
+            <a:ext uri="{909E8E84-426E-40DD-AFC4-6F175D3DCCD1}">
+              <a14:hiddenFill xmlns:a14="http://schemas.microsoft.com/office/drawing/2010/main">
+                <a:solidFill>
+                  <a:srgbClr val="FFFFFF"/>
+                </a:solidFill>
+              </a14:hiddenFill>
+            </a:ext>
+          </a:extLst>
+        </p:spPr>
+        <p:txBody>
+          <a:bodyPr vert="horz" wrap="square" lIns="91440" tIns="45720" rIns="91440" bIns="45720" numCol="1" anchor="t" anchorCtr="0" compatLnSpc="1">
+            <a:prstTxWarp prst="textNoShape">
+              <a:avLst/>
+            </a:prstTxWarp>
+          </a:bodyPr>
+          <a:lstStyle/>
+          <a:p>
+            <a:endParaRPr lang="zh-TW" altLang="en-US"/>
+          </a:p>
+        </p:txBody>
+      </p:sp>
+      <p:sp>
+        <p:nvSpPr>
+          <p:cNvPr id="2" name="矩形 1"/>
+          <p:cNvSpPr/>
+          <p:nvPr/>
+        </p:nvSpPr>
+        <p:spPr>
+          <a:xfrm>
+            <a:off x="4731145" y="3288083"/>
+            <a:ext cx="6096000" cy="646331"/>
+          </a:xfrm>
+          <a:prstGeom prst="rect">
+            <a:avLst/>
+          </a:prstGeom>
+        </p:spPr>
+        <p:txBody>
+          <a:bodyPr>
+            <a:spAutoFit/>
+          </a:bodyPr>
+          <a:lstStyle/>
+          <a:p>
+            <a:r>
+              <a:rPr lang="zh-TW" altLang="en-US" dirty="0">
+                <a:solidFill>
+                  <a:srgbClr val="FF0000"/>
+                </a:solidFill>
+              </a:rPr>
+              <a:t>https://www.youtube.com/channel/UC7ArpUezGLX-dZ0FTS_jVMQ?view_as=subscriber</a:t>
+            </a:r>
+          </a:p>
+        </p:txBody>
+      </p:sp>
+      <p:pic>
+        <p:nvPicPr>
+          <p:cNvPr id="3" name="圖片 2"/>
+          <p:cNvPicPr>
+            <a:picLocks noChangeAspect="1"/>
+          </p:cNvPicPr>
+          <p:nvPr/>
+        </p:nvPicPr>
+        <p:blipFill>
+          <a:blip r:embed="rId2" cstate="print">
+            <a:extLst>
+              <a:ext uri="{28A0092B-C50C-407E-A947-70E740481C1C}">
+                <a14:useLocalDpi xmlns:a14="http://schemas.microsoft.com/office/drawing/2010/main" val="0"/>
+              </a:ext>
+            </a:extLst>
+          </a:blip>
+          <a:stretch>
+            <a:fillRect/>
+          </a:stretch>
+        </p:blipFill>
+        <p:spPr>
+          <a:xfrm>
+            <a:off x="2651491" y="3018328"/>
+            <a:ext cx="1750134" cy="916086"/>
+          </a:xfrm>
+          <a:prstGeom prst="rect">
+            <a:avLst/>
+          </a:prstGeom>
+        </p:spPr>
+      </p:pic>
+      <p:sp>
+        <p:nvSpPr>
+          <p:cNvPr id="4" name="標題 1"/>
+          <p:cNvSpPr>
+            <a:spLocks noGrp="1"/>
+          </p:cNvSpPr>
+          <p:nvPr>
+            <p:ph type="title"/>
+          </p:nvPr>
+        </p:nvSpPr>
+        <p:spPr>
+          <a:xfrm>
+            <a:off x="2687680" y="3539162"/>
+            <a:ext cx="1881624" cy="580112"/>
+          </a:xfrm>
+        </p:spPr>
+        <p:txBody>
+          <a:bodyPr>
+            <a:noAutofit/>
+          </a:bodyPr>
+          <a:lstStyle/>
+          <a:p>
+            <a:r>
+              <a:rPr lang="zh-TW" altLang="en-US" sz="1200" dirty="0" smtClean="0">
+                <a:solidFill>
+                  <a:schemeClr val="bg1"/>
+                </a:solidFill>
+                <a:latin typeface="Adobe 繁黑體 Std B" panose="020B0700000000000000" pitchFamily="34" charset="-120"/>
+                <a:ea typeface="Adobe 繁黑體 Std B" panose="020B0700000000000000" pitchFamily="34" charset="-120"/>
+              </a:rPr>
+              <a:t>我的</a:t>
+            </a:r>
+            <a:r>
+              <a:rPr lang="en-US" altLang="zh-TW" sz="1200" dirty="0" err="1" smtClean="0">
+                <a:solidFill>
+                  <a:schemeClr val="bg1"/>
+                </a:solidFill>
+                <a:latin typeface="Adobe 繁黑體 Std B" panose="020B0700000000000000" pitchFamily="34" charset="-120"/>
+                <a:ea typeface="Adobe 繁黑體 Std B" panose="020B0700000000000000" pitchFamily="34" charset="-120"/>
+              </a:rPr>
+              <a:t>youtube</a:t>
+            </a:r>
+            <a:r>
+              <a:rPr lang="zh-TW" altLang="en-US" sz="1200" dirty="0" smtClean="0">
+                <a:solidFill>
+                  <a:schemeClr val="bg1"/>
+                </a:solidFill>
+                <a:latin typeface="Adobe 繁黑體 Std B" panose="020B0700000000000000" pitchFamily="34" charset="-120"/>
+                <a:ea typeface="Adobe 繁黑體 Std B" panose="020B0700000000000000" pitchFamily="34" charset="-120"/>
+              </a:rPr>
+              <a:t>頻道</a:t>
+            </a:r>
+            <a:endParaRPr lang="zh-TW" altLang="en-US" sz="1200" dirty="0">
+              <a:solidFill>
+                <a:schemeClr val="bg1"/>
+              </a:solidFill>
+              <a:latin typeface="Adobe 繁黑體 Std B" panose="020B0700000000000000" pitchFamily="34" charset="-120"/>
+              <a:ea typeface="Adobe 繁黑體 Std B" panose="020B0700000000000000" pitchFamily="34" charset="-120"/>
+            </a:endParaRPr>
+          </a:p>
+        </p:txBody>
+      </p:sp>
+      <p:pic>
+        <p:nvPicPr>
+          <p:cNvPr id="5" name="圖片 4"/>
+          <p:cNvPicPr>
+            <a:picLocks noChangeAspect="1"/>
+          </p:cNvPicPr>
+          <p:nvPr/>
+        </p:nvPicPr>
+        <p:blipFill>
+          <a:blip r:embed="rId3" cstate="print">
+            <a:extLst>
+              <a:ext uri="{28A0092B-C50C-407E-A947-70E740481C1C}">
+                <a14:useLocalDpi xmlns:a14="http://schemas.microsoft.com/office/drawing/2010/main" val="0"/>
+              </a:ext>
+            </a:extLst>
+          </a:blip>
+          <a:stretch>
+            <a:fillRect/>
+          </a:stretch>
+        </p:blipFill>
+        <p:spPr>
+          <a:xfrm>
+            <a:off x="2745863" y="2275597"/>
+            <a:ext cx="1636907" cy="624071"/>
+          </a:xfrm>
+          <a:prstGeom prst="rect">
+            <a:avLst/>
+          </a:prstGeom>
+        </p:spPr>
+      </p:pic>
+      <p:sp>
+        <p:nvSpPr>
+          <p:cNvPr id="6" name="矩形 5"/>
+          <p:cNvSpPr/>
+          <p:nvPr/>
+        </p:nvSpPr>
+        <p:spPr>
+          <a:xfrm>
+            <a:off x="4731145" y="2324305"/>
+            <a:ext cx="2076209" cy="369332"/>
+          </a:xfrm>
+          <a:prstGeom prst="rect">
+            <a:avLst/>
+          </a:prstGeom>
+        </p:spPr>
+        <p:txBody>
+          <a:bodyPr wrap="none">
+            <a:spAutoFit/>
+          </a:bodyPr>
+          <a:lstStyle/>
+          <a:p>
+            <a:r>
+              <a:rPr lang="en-US" altLang="zh-TW" dirty="0" smtClean="0">
+                <a:solidFill>
+                  <a:schemeClr val="bg1"/>
+                </a:solidFill>
+                <a:latin typeface="Adobe 繁黑體 Std B" panose="020B0700000000000000" pitchFamily="34" charset="-120"/>
+                <a:ea typeface="Adobe 繁黑體 Std B" panose="020B0700000000000000" pitchFamily="34" charset="-120"/>
+              </a:rPr>
+              <a:t>Mike</a:t>
+            </a:r>
+            <a:r>
+              <a:rPr lang="zh-TW" altLang="en-US" dirty="0" smtClean="0">
+                <a:solidFill>
+                  <a:schemeClr val="bg1"/>
+                </a:solidFill>
+                <a:latin typeface="Adobe 繁黑體 Std B" panose="020B0700000000000000" pitchFamily="34" charset="-120"/>
+                <a:ea typeface="Adobe 繁黑體 Std B" panose="020B0700000000000000" pitchFamily="34" charset="-120"/>
+              </a:rPr>
+              <a:t>的前端實驗室</a:t>
+            </a:r>
+            <a:endParaRPr lang="zh-TW" altLang="en-US" dirty="0">
+              <a:solidFill>
+                <a:schemeClr val="bg1"/>
+              </a:solidFill>
+              <a:latin typeface="Adobe 繁黑體 Std B" panose="020B0700000000000000" pitchFamily="34" charset="-120"/>
+              <a:ea typeface="Adobe 繁黑體 Std B" panose="020B0700000000000000" pitchFamily="34" charset="-120"/>
+            </a:endParaRPr>
+          </a:p>
+        </p:txBody>
+      </p:sp>
+      <p:sp>
+        <p:nvSpPr>
+          <p:cNvPr id="7" name="矩形 6"/>
+          <p:cNvSpPr/>
+          <p:nvPr/>
+        </p:nvSpPr>
+        <p:spPr>
+          <a:xfrm>
+            <a:off x="4731145" y="2570335"/>
+            <a:ext cx="4350743" cy="307777"/>
+          </a:xfrm>
+          <a:prstGeom prst="rect">
+            <a:avLst/>
+          </a:prstGeom>
+        </p:spPr>
+        <p:txBody>
+          <a:bodyPr wrap="none">
+            <a:spAutoFit/>
+          </a:bodyPr>
+          <a:lstStyle/>
+          <a:p>
+            <a:r>
+              <a:rPr lang="zh-TW" altLang="en-US" sz="1400" dirty="0">
+                <a:solidFill>
+                  <a:schemeClr val="bg1"/>
+                </a:solidFill>
+              </a:rPr>
+              <a:t>https://www.facebook.com/groups/2189823101261689/</a:t>
+            </a:r>
+          </a:p>
+        </p:txBody>
+      </p:sp>
+      <p:pic>
+        <p:nvPicPr>
+          <p:cNvPr id="9" name="圖片 8"/>
+          <p:cNvPicPr>
+            <a:picLocks noChangeAspect="1"/>
+          </p:cNvPicPr>
+          <p:nvPr/>
+        </p:nvPicPr>
+        <p:blipFill>
+          <a:blip r:embed="rId4" cstate="print">
+            <a:extLst>
+              <a:ext uri="{28A0092B-C50C-407E-A947-70E740481C1C}">
+                <a14:useLocalDpi xmlns:a14="http://schemas.microsoft.com/office/drawing/2010/main" val="0"/>
+              </a:ext>
+            </a:extLst>
+          </a:blip>
+          <a:stretch>
+            <a:fillRect/>
+          </a:stretch>
+        </p:blipFill>
+        <p:spPr>
+          <a:xfrm>
+            <a:off x="2745862" y="4336979"/>
+            <a:ext cx="1618687" cy="599161"/>
+          </a:xfrm>
+          <a:prstGeom prst="rect">
+            <a:avLst/>
+          </a:prstGeom>
+        </p:spPr>
+      </p:pic>
+      <p:sp>
+        <p:nvSpPr>
+          <p:cNvPr id="10" name="矩形 9"/>
+          <p:cNvSpPr/>
+          <p:nvPr/>
+        </p:nvSpPr>
+        <p:spPr>
+          <a:xfrm>
+            <a:off x="4731145" y="4451893"/>
+            <a:ext cx="4081695" cy="369332"/>
+          </a:xfrm>
+          <a:prstGeom prst="rect">
+            <a:avLst/>
+          </a:prstGeom>
+        </p:spPr>
+        <p:txBody>
+          <a:bodyPr wrap="none">
+            <a:spAutoFit/>
+          </a:bodyPr>
+          <a:lstStyle/>
+          <a:p>
+            <a:r>
+              <a:rPr lang="zh-TW" altLang="en-US" dirty="0">
+                <a:solidFill>
+                  <a:schemeClr val="bg1"/>
+                </a:solidFill>
+              </a:rPr>
+              <a:t>https://medium.com/@Mike_Cheng1208</a:t>
+            </a:r>
+          </a:p>
+        </p:txBody>
+      </p:sp>
+    </p:spTree>
+    <p:extLst>
+      <p:ext uri="{BB962C8B-B14F-4D97-AF65-F5344CB8AC3E}">
+        <p14:creationId xmlns:p14="http://schemas.microsoft.com/office/powerpoint/2010/main" val="3608007813"/>
       </p:ext>
     </p:extLst>
   </p:cSld>
